--- a/docs/Prezentare_licenta.pptx
+++ b/docs/Prezentare_licenta.pptx
@@ -5322,7 +5322,621 @@
   <p:timing>
     <p:tnLst>
       <p:par>
-        <p:cTn id="1" dur="indefinite" restart="never" nodeType="tmRoot"/>
+        <p:cTn id="1" dur="indefinite" restart="never" nodeType="tmRoot">
+          <p:childTnLst>
+            <p:seq concurrent="1" nextAc="seek">
+              <p:cTn id="2" dur="indefinite" nodeType="mainSeq">
+                <p:childTnLst>
+                  <p:par>
+                    <p:cTn id="3" fill="hold">
+                      <p:stCondLst>
+                        <p:cond delay="indefinite"/>
+                      </p:stCondLst>
+                      <p:childTnLst>
+                        <p:par>
+                          <p:cTn id="4" fill="hold">
+                            <p:stCondLst>
+                              <p:cond delay="0"/>
+                            </p:stCondLst>
+                            <p:childTnLst>
+                              <p:par>
+                                <p:cTn id="5" presetID="10" presetClass="entr" presetSubtype="0" fill="hold" nodeType="clickEffect">
+                                  <p:stCondLst>
+                                    <p:cond delay="0"/>
+                                  </p:stCondLst>
+                                  <p:childTnLst>
+                                    <p:set>
+                                      <p:cBhvr>
+                                        <p:cTn id="6" dur="1" fill="hold">
+                                          <p:stCondLst>
+                                            <p:cond delay="0"/>
+                                          </p:stCondLst>
+                                        </p:cTn>
+                                        <p:tgtEl>
+                                          <p:spTgt spid="2">
+                                            <p:txEl>
+                                              <p:pRg st="0" end="0"/>
+                                            </p:txEl>
+                                          </p:spTgt>
+                                        </p:tgtEl>
+                                        <p:attrNameLst>
+                                          <p:attrName>style.visibility</p:attrName>
+                                        </p:attrNameLst>
+                                      </p:cBhvr>
+                                      <p:to>
+                                        <p:strVal val="visible"/>
+                                      </p:to>
+                                    </p:set>
+                                    <p:animEffect transition="in" filter="fade">
+                                      <p:cBhvr>
+                                        <p:cTn id="7" dur="500"/>
+                                        <p:tgtEl>
+                                          <p:spTgt spid="2">
+                                            <p:txEl>
+                                              <p:pRg st="0" end="0"/>
+                                            </p:txEl>
+                                          </p:spTgt>
+                                        </p:tgtEl>
+                                      </p:cBhvr>
+                                    </p:animEffect>
+                                  </p:childTnLst>
+                                </p:cTn>
+                              </p:par>
+                              <p:par>
+                                <p:cTn id="8" presetID="10" presetClass="entr" presetSubtype="0" fill="hold" nodeType="withEffect">
+                                  <p:stCondLst>
+                                    <p:cond delay="0"/>
+                                  </p:stCondLst>
+                                  <p:childTnLst>
+                                    <p:set>
+                                      <p:cBhvr>
+                                        <p:cTn id="9" dur="1" fill="hold">
+                                          <p:stCondLst>
+                                            <p:cond delay="0"/>
+                                          </p:stCondLst>
+                                        </p:cTn>
+                                        <p:tgtEl>
+                                          <p:spTgt spid="4098"/>
+                                        </p:tgtEl>
+                                        <p:attrNameLst>
+                                          <p:attrName>style.visibility</p:attrName>
+                                        </p:attrNameLst>
+                                      </p:cBhvr>
+                                      <p:to>
+                                        <p:strVal val="visible"/>
+                                      </p:to>
+                                    </p:set>
+                                    <p:animEffect transition="in" filter="fade">
+                                      <p:cBhvr>
+                                        <p:cTn id="10" dur="500"/>
+                                        <p:tgtEl>
+                                          <p:spTgt spid="4098"/>
+                                        </p:tgtEl>
+                                      </p:cBhvr>
+                                    </p:animEffect>
+                                  </p:childTnLst>
+                                </p:cTn>
+                              </p:par>
+                            </p:childTnLst>
+                          </p:cTn>
+                        </p:par>
+                      </p:childTnLst>
+                    </p:cTn>
+                  </p:par>
+                  <p:par>
+                    <p:cTn id="11" fill="hold">
+                      <p:stCondLst>
+                        <p:cond delay="indefinite"/>
+                      </p:stCondLst>
+                      <p:childTnLst>
+                        <p:par>
+                          <p:cTn id="12" fill="hold">
+                            <p:stCondLst>
+                              <p:cond delay="0"/>
+                            </p:stCondLst>
+                            <p:childTnLst>
+                              <p:par>
+                                <p:cTn id="13" presetID="10" presetClass="entr" presetSubtype="0" fill="hold" nodeType="clickEffect">
+                                  <p:stCondLst>
+                                    <p:cond delay="0"/>
+                                  </p:stCondLst>
+                                  <p:childTnLst>
+                                    <p:set>
+                                      <p:cBhvr>
+                                        <p:cTn id="14" dur="1" fill="hold">
+                                          <p:stCondLst>
+                                            <p:cond delay="0"/>
+                                          </p:stCondLst>
+                                        </p:cTn>
+                                        <p:tgtEl>
+                                          <p:spTgt spid="2">
+                                            <p:txEl>
+                                              <p:pRg st="1" end="1"/>
+                                            </p:txEl>
+                                          </p:spTgt>
+                                        </p:tgtEl>
+                                        <p:attrNameLst>
+                                          <p:attrName>style.visibility</p:attrName>
+                                        </p:attrNameLst>
+                                      </p:cBhvr>
+                                      <p:to>
+                                        <p:strVal val="visible"/>
+                                      </p:to>
+                                    </p:set>
+                                    <p:animEffect transition="in" filter="fade">
+                                      <p:cBhvr>
+                                        <p:cTn id="15" dur="500"/>
+                                        <p:tgtEl>
+                                          <p:spTgt spid="2">
+                                            <p:txEl>
+                                              <p:pRg st="1" end="1"/>
+                                            </p:txEl>
+                                          </p:spTgt>
+                                        </p:tgtEl>
+                                      </p:cBhvr>
+                                    </p:animEffect>
+                                  </p:childTnLst>
+                                </p:cTn>
+                              </p:par>
+                            </p:childTnLst>
+                          </p:cTn>
+                        </p:par>
+                      </p:childTnLst>
+                    </p:cTn>
+                  </p:par>
+                  <p:par>
+                    <p:cTn id="16" fill="hold">
+                      <p:stCondLst>
+                        <p:cond delay="indefinite"/>
+                      </p:stCondLst>
+                      <p:childTnLst>
+                        <p:par>
+                          <p:cTn id="17" fill="hold">
+                            <p:stCondLst>
+                              <p:cond delay="0"/>
+                            </p:stCondLst>
+                            <p:childTnLst>
+                              <p:par>
+                                <p:cTn id="18" presetID="10" presetClass="entr" presetSubtype="0" fill="hold" nodeType="clickEffect">
+                                  <p:stCondLst>
+                                    <p:cond delay="0"/>
+                                  </p:stCondLst>
+                                  <p:childTnLst>
+                                    <p:set>
+                                      <p:cBhvr>
+                                        <p:cTn id="19" dur="1" fill="hold">
+                                          <p:stCondLst>
+                                            <p:cond delay="0"/>
+                                          </p:stCondLst>
+                                        </p:cTn>
+                                        <p:tgtEl>
+                                          <p:spTgt spid="2">
+                                            <p:txEl>
+                                              <p:pRg st="2" end="2"/>
+                                            </p:txEl>
+                                          </p:spTgt>
+                                        </p:tgtEl>
+                                        <p:attrNameLst>
+                                          <p:attrName>style.visibility</p:attrName>
+                                        </p:attrNameLst>
+                                      </p:cBhvr>
+                                      <p:to>
+                                        <p:strVal val="visible"/>
+                                      </p:to>
+                                    </p:set>
+                                    <p:animEffect transition="in" filter="fade">
+                                      <p:cBhvr>
+                                        <p:cTn id="20" dur="500"/>
+                                        <p:tgtEl>
+                                          <p:spTgt spid="2">
+                                            <p:txEl>
+                                              <p:pRg st="2" end="2"/>
+                                            </p:txEl>
+                                          </p:spTgt>
+                                        </p:tgtEl>
+                                      </p:cBhvr>
+                                    </p:animEffect>
+                                  </p:childTnLst>
+                                </p:cTn>
+                              </p:par>
+                            </p:childTnLst>
+                          </p:cTn>
+                        </p:par>
+                      </p:childTnLst>
+                    </p:cTn>
+                  </p:par>
+                  <p:par>
+                    <p:cTn id="21" fill="hold">
+                      <p:stCondLst>
+                        <p:cond delay="indefinite"/>
+                      </p:stCondLst>
+                      <p:childTnLst>
+                        <p:par>
+                          <p:cTn id="22" fill="hold">
+                            <p:stCondLst>
+                              <p:cond delay="0"/>
+                            </p:stCondLst>
+                            <p:childTnLst>
+                              <p:par>
+                                <p:cTn id="23" presetID="10" presetClass="entr" presetSubtype="0" fill="hold" nodeType="clickEffect">
+                                  <p:stCondLst>
+                                    <p:cond delay="0"/>
+                                  </p:stCondLst>
+                                  <p:childTnLst>
+                                    <p:set>
+                                      <p:cBhvr>
+                                        <p:cTn id="24" dur="1" fill="hold">
+                                          <p:stCondLst>
+                                            <p:cond delay="0"/>
+                                          </p:stCondLst>
+                                        </p:cTn>
+                                        <p:tgtEl>
+                                          <p:spTgt spid="2">
+                                            <p:txEl>
+                                              <p:pRg st="3" end="3"/>
+                                            </p:txEl>
+                                          </p:spTgt>
+                                        </p:tgtEl>
+                                        <p:attrNameLst>
+                                          <p:attrName>style.visibility</p:attrName>
+                                        </p:attrNameLst>
+                                      </p:cBhvr>
+                                      <p:to>
+                                        <p:strVal val="visible"/>
+                                      </p:to>
+                                    </p:set>
+                                    <p:animEffect transition="in" filter="fade">
+                                      <p:cBhvr>
+                                        <p:cTn id="25" dur="500"/>
+                                        <p:tgtEl>
+                                          <p:spTgt spid="2">
+                                            <p:txEl>
+                                              <p:pRg st="3" end="3"/>
+                                            </p:txEl>
+                                          </p:spTgt>
+                                        </p:tgtEl>
+                                      </p:cBhvr>
+                                    </p:animEffect>
+                                  </p:childTnLst>
+                                </p:cTn>
+                              </p:par>
+                            </p:childTnLst>
+                          </p:cTn>
+                        </p:par>
+                      </p:childTnLst>
+                    </p:cTn>
+                  </p:par>
+                  <p:par>
+                    <p:cTn id="26" fill="hold">
+                      <p:stCondLst>
+                        <p:cond delay="indefinite"/>
+                      </p:stCondLst>
+                      <p:childTnLst>
+                        <p:par>
+                          <p:cTn id="27" fill="hold">
+                            <p:stCondLst>
+                              <p:cond delay="0"/>
+                            </p:stCondLst>
+                            <p:childTnLst>
+                              <p:par>
+                                <p:cTn id="28" presetID="10" presetClass="entr" presetSubtype="0" fill="hold" nodeType="clickEffect">
+                                  <p:stCondLst>
+                                    <p:cond delay="0"/>
+                                  </p:stCondLst>
+                                  <p:childTnLst>
+                                    <p:set>
+                                      <p:cBhvr>
+                                        <p:cTn id="29" dur="1" fill="hold">
+                                          <p:stCondLst>
+                                            <p:cond delay="0"/>
+                                          </p:stCondLst>
+                                        </p:cTn>
+                                        <p:tgtEl>
+                                          <p:spTgt spid="2">
+                                            <p:txEl>
+                                              <p:pRg st="4" end="4"/>
+                                            </p:txEl>
+                                          </p:spTgt>
+                                        </p:tgtEl>
+                                        <p:attrNameLst>
+                                          <p:attrName>style.visibility</p:attrName>
+                                        </p:attrNameLst>
+                                      </p:cBhvr>
+                                      <p:to>
+                                        <p:strVal val="visible"/>
+                                      </p:to>
+                                    </p:set>
+                                    <p:animEffect transition="in" filter="fade">
+                                      <p:cBhvr>
+                                        <p:cTn id="30" dur="500"/>
+                                        <p:tgtEl>
+                                          <p:spTgt spid="2">
+                                            <p:txEl>
+                                              <p:pRg st="4" end="4"/>
+                                            </p:txEl>
+                                          </p:spTgt>
+                                        </p:tgtEl>
+                                      </p:cBhvr>
+                                    </p:animEffect>
+                                  </p:childTnLst>
+                                </p:cTn>
+                              </p:par>
+                              <p:par>
+                                <p:cTn id="31" presetID="10" presetClass="entr" presetSubtype="0" fill="hold" nodeType="withEffect">
+                                  <p:stCondLst>
+                                    <p:cond delay="0"/>
+                                  </p:stCondLst>
+                                  <p:childTnLst>
+                                    <p:set>
+                                      <p:cBhvr>
+                                        <p:cTn id="32" dur="1" fill="hold">
+                                          <p:stCondLst>
+                                            <p:cond delay="0"/>
+                                          </p:stCondLst>
+                                        </p:cTn>
+                                        <p:tgtEl>
+                                          <p:spTgt spid="2">
+                                            <p:txEl>
+                                              <p:pRg st="5" end="5"/>
+                                            </p:txEl>
+                                          </p:spTgt>
+                                        </p:tgtEl>
+                                        <p:attrNameLst>
+                                          <p:attrName>style.visibility</p:attrName>
+                                        </p:attrNameLst>
+                                      </p:cBhvr>
+                                      <p:to>
+                                        <p:strVal val="visible"/>
+                                      </p:to>
+                                    </p:set>
+                                    <p:animEffect transition="in" filter="fade">
+                                      <p:cBhvr>
+                                        <p:cTn id="33" dur="500"/>
+                                        <p:tgtEl>
+                                          <p:spTgt spid="2">
+                                            <p:txEl>
+                                              <p:pRg st="5" end="5"/>
+                                            </p:txEl>
+                                          </p:spTgt>
+                                        </p:tgtEl>
+                                      </p:cBhvr>
+                                    </p:animEffect>
+                                  </p:childTnLst>
+                                </p:cTn>
+                              </p:par>
+                            </p:childTnLst>
+                          </p:cTn>
+                        </p:par>
+                      </p:childTnLst>
+                    </p:cTn>
+                  </p:par>
+                  <p:par>
+                    <p:cTn id="34" fill="hold">
+                      <p:stCondLst>
+                        <p:cond delay="indefinite"/>
+                      </p:stCondLst>
+                      <p:childTnLst>
+                        <p:par>
+                          <p:cTn id="35" fill="hold">
+                            <p:stCondLst>
+                              <p:cond delay="0"/>
+                            </p:stCondLst>
+                            <p:childTnLst>
+                              <p:par>
+                                <p:cTn id="36" presetID="10" presetClass="entr" presetSubtype="0" fill="hold" nodeType="clickEffect">
+                                  <p:stCondLst>
+                                    <p:cond delay="0"/>
+                                  </p:stCondLst>
+                                  <p:childTnLst>
+                                    <p:set>
+                                      <p:cBhvr>
+                                        <p:cTn id="37" dur="1" fill="hold">
+                                          <p:stCondLst>
+                                            <p:cond delay="0"/>
+                                          </p:stCondLst>
+                                        </p:cTn>
+                                        <p:tgtEl>
+                                          <p:spTgt spid="2">
+                                            <p:txEl>
+                                              <p:pRg st="6" end="6"/>
+                                            </p:txEl>
+                                          </p:spTgt>
+                                        </p:tgtEl>
+                                        <p:attrNameLst>
+                                          <p:attrName>style.visibility</p:attrName>
+                                        </p:attrNameLst>
+                                      </p:cBhvr>
+                                      <p:to>
+                                        <p:strVal val="visible"/>
+                                      </p:to>
+                                    </p:set>
+                                    <p:animEffect transition="in" filter="fade">
+                                      <p:cBhvr>
+                                        <p:cTn id="38" dur="500"/>
+                                        <p:tgtEl>
+                                          <p:spTgt spid="2">
+                                            <p:txEl>
+                                              <p:pRg st="6" end="6"/>
+                                            </p:txEl>
+                                          </p:spTgt>
+                                        </p:tgtEl>
+                                      </p:cBhvr>
+                                    </p:animEffect>
+                                  </p:childTnLst>
+                                </p:cTn>
+                              </p:par>
+                              <p:par>
+                                <p:cTn id="39" presetID="10" presetClass="entr" presetSubtype="0" fill="hold" nodeType="withEffect">
+                                  <p:stCondLst>
+                                    <p:cond delay="0"/>
+                                  </p:stCondLst>
+                                  <p:childTnLst>
+                                    <p:set>
+                                      <p:cBhvr>
+                                        <p:cTn id="40" dur="1" fill="hold">
+                                          <p:stCondLst>
+                                            <p:cond delay="0"/>
+                                          </p:stCondLst>
+                                        </p:cTn>
+                                        <p:tgtEl>
+                                          <p:spTgt spid="2">
+                                            <p:txEl>
+                                              <p:pRg st="7" end="7"/>
+                                            </p:txEl>
+                                          </p:spTgt>
+                                        </p:tgtEl>
+                                        <p:attrNameLst>
+                                          <p:attrName>style.visibility</p:attrName>
+                                        </p:attrNameLst>
+                                      </p:cBhvr>
+                                      <p:to>
+                                        <p:strVal val="visible"/>
+                                      </p:to>
+                                    </p:set>
+                                    <p:animEffect transition="in" filter="fade">
+                                      <p:cBhvr>
+                                        <p:cTn id="41" dur="500"/>
+                                        <p:tgtEl>
+                                          <p:spTgt spid="2">
+                                            <p:txEl>
+                                              <p:pRg st="7" end="7"/>
+                                            </p:txEl>
+                                          </p:spTgt>
+                                        </p:tgtEl>
+                                      </p:cBhvr>
+                                    </p:animEffect>
+                                  </p:childTnLst>
+                                </p:cTn>
+                              </p:par>
+                              <p:par>
+                                <p:cTn id="42" presetID="10" presetClass="entr" presetSubtype="0" fill="hold" nodeType="withEffect">
+                                  <p:stCondLst>
+                                    <p:cond delay="0"/>
+                                  </p:stCondLst>
+                                  <p:childTnLst>
+                                    <p:set>
+                                      <p:cBhvr>
+                                        <p:cTn id="43" dur="1" fill="hold">
+                                          <p:stCondLst>
+                                            <p:cond delay="0"/>
+                                          </p:stCondLst>
+                                        </p:cTn>
+                                        <p:tgtEl>
+                                          <p:spTgt spid="2">
+                                            <p:txEl>
+                                              <p:pRg st="8" end="8"/>
+                                            </p:txEl>
+                                          </p:spTgt>
+                                        </p:tgtEl>
+                                        <p:attrNameLst>
+                                          <p:attrName>style.visibility</p:attrName>
+                                        </p:attrNameLst>
+                                      </p:cBhvr>
+                                      <p:to>
+                                        <p:strVal val="visible"/>
+                                      </p:to>
+                                    </p:set>
+                                    <p:animEffect transition="in" filter="fade">
+                                      <p:cBhvr>
+                                        <p:cTn id="44" dur="500"/>
+                                        <p:tgtEl>
+                                          <p:spTgt spid="2">
+                                            <p:txEl>
+                                              <p:pRg st="8" end="8"/>
+                                            </p:txEl>
+                                          </p:spTgt>
+                                        </p:tgtEl>
+                                      </p:cBhvr>
+                                    </p:animEffect>
+                                  </p:childTnLst>
+                                </p:cTn>
+                              </p:par>
+                            </p:childTnLst>
+                          </p:cTn>
+                        </p:par>
+                      </p:childTnLst>
+                    </p:cTn>
+                  </p:par>
+                  <p:par>
+                    <p:cTn id="45" fill="hold">
+                      <p:stCondLst>
+                        <p:cond delay="indefinite"/>
+                      </p:stCondLst>
+                      <p:childTnLst>
+                        <p:par>
+                          <p:cTn id="46" fill="hold">
+                            <p:stCondLst>
+                              <p:cond delay="0"/>
+                            </p:stCondLst>
+                            <p:childTnLst>
+                              <p:par>
+                                <p:cTn id="47" presetID="10" presetClass="entr" presetSubtype="0" fill="hold" nodeType="clickEffect">
+                                  <p:stCondLst>
+                                    <p:cond delay="0"/>
+                                  </p:stCondLst>
+                                  <p:childTnLst>
+                                    <p:set>
+                                      <p:cBhvr>
+                                        <p:cTn id="48" dur="1" fill="hold">
+                                          <p:stCondLst>
+                                            <p:cond delay="0"/>
+                                          </p:stCondLst>
+                                        </p:cTn>
+                                        <p:tgtEl>
+                                          <p:spTgt spid="2">
+                                            <p:txEl>
+                                              <p:pRg st="9" end="9"/>
+                                            </p:txEl>
+                                          </p:spTgt>
+                                        </p:tgtEl>
+                                        <p:attrNameLst>
+                                          <p:attrName>style.visibility</p:attrName>
+                                        </p:attrNameLst>
+                                      </p:cBhvr>
+                                      <p:to>
+                                        <p:strVal val="visible"/>
+                                      </p:to>
+                                    </p:set>
+                                    <p:animEffect transition="in" filter="fade">
+                                      <p:cBhvr>
+                                        <p:cTn id="49" dur="500"/>
+                                        <p:tgtEl>
+                                          <p:spTgt spid="2">
+                                            <p:txEl>
+                                              <p:pRg st="9" end="9"/>
+                                            </p:txEl>
+                                          </p:spTgt>
+                                        </p:tgtEl>
+                                      </p:cBhvr>
+                                    </p:animEffect>
+                                  </p:childTnLst>
+                                </p:cTn>
+                              </p:par>
+                            </p:childTnLst>
+                          </p:cTn>
+                        </p:par>
+                      </p:childTnLst>
+                    </p:cTn>
+                  </p:par>
+                </p:childTnLst>
+              </p:cTn>
+              <p:prevCondLst>
+                <p:cond evt="onPrev" delay="0">
+                  <p:tgtEl>
+                    <p:sldTgt/>
+                  </p:tgtEl>
+                </p:cond>
+              </p:prevCondLst>
+              <p:nextCondLst>
+                <p:cond evt="onNext" delay="0">
+                  <p:tgtEl>
+                    <p:sldTgt/>
+                  </p:tgtEl>
+                </p:cond>
+              </p:nextCondLst>
+            </p:seq>
+          </p:childTnLst>
+        </p:cTn>
       </p:par>
     </p:tnLst>
   </p:timing>
@@ -5563,7 +6177,614 @@
   <p:timing>
     <p:tnLst>
       <p:par>
-        <p:cTn id="1" dur="indefinite" restart="never" nodeType="tmRoot"/>
+        <p:cTn id="1" dur="indefinite" restart="never" nodeType="tmRoot">
+          <p:childTnLst>
+            <p:seq concurrent="1" nextAc="seek">
+              <p:cTn id="2" dur="indefinite" nodeType="mainSeq">
+                <p:childTnLst>
+                  <p:par>
+                    <p:cTn id="3" fill="hold">
+                      <p:stCondLst>
+                        <p:cond delay="indefinite"/>
+                      </p:stCondLst>
+                      <p:childTnLst>
+                        <p:par>
+                          <p:cTn id="4" fill="hold">
+                            <p:stCondLst>
+                              <p:cond delay="0"/>
+                            </p:stCondLst>
+                            <p:childTnLst>
+                              <p:par>
+                                <p:cTn id="5" presetID="10" presetClass="entr" presetSubtype="0" fill="hold" nodeType="clickEffect">
+                                  <p:stCondLst>
+                                    <p:cond delay="0"/>
+                                  </p:stCondLst>
+                                  <p:childTnLst>
+                                    <p:set>
+                                      <p:cBhvr>
+                                        <p:cTn id="6" dur="1" fill="hold">
+                                          <p:stCondLst>
+                                            <p:cond delay="0"/>
+                                          </p:stCondLst>
+                                        </p:cTn>
+                                        <p:tgtEl>
+                                          <p:spTgt spid="2">
+                                            <p:txEl>
+                                              <p:pRg st="0" end="0"/>
+                                            </p:txEl>
+                                          </p:spTgt>
+                                        </p:tgtEl>
+                                        <p:attrNameLst>
+                                          <p:attrName>style.visibility</p:attrName>
+                                        </p:attrNameLst>
+                                      </p:cBhvr>
+                                      <p:to>
+                                        <p:strVal val="visible"/>
+                                      </p:to>
+                                    </p:set>
+                                    <p:animEffect transition="in" filter="fade">
+                                      <p:cBhvr>
+                                        <p:cTn id="7" dur="500"/>
+                                        <p:tgtEl>
+                                          <p:spTgt spid="2">
+                                            <p:txEl>
+                                              <p:pRg st="0" end="0"/>
+                                            </p:txEl>
+                                          </p:spTgt>
+                                        </p:tgtEl>
+                                      </p:cBhvr>
+                                    </p:animEffect>
+                                  </p:childTnLst>
+                                </p:cTn>
+                              </p:par>
+                              <p:par>
+                                <p:cTn id="8" presetID="10" presetClass="entr" presetSubtype="0" fill="hold" nodeType="withEffect">
+                                  <p:stCondLst>
+                                    <p:cond delay="0"/>
+                                  </p:stCondLst>
+                                  <p:childTnLst>
+                                    <p:set>
+                                      <p:cBhvr>
+                                        <p:cTn id="9" dur="1" fill="hold">
+                                          <p:stCondLst>
+                                            <p:cond delay="0"/>
+                                          </p:stCondLst>
+                                        </p:cTn>
+                                        <p:tgtEl>
+                                          <p:spTgt spid="5122"/>
+                                        </p:tgtEl>
+                                        <p:attrNameLst>
+                                          <p:attrName>style.visibility</p:attrName>
+                                        </p:attrNameLst>
+                                      </p:cBhvr>
+                                      <p:to>
+                                        <p:strVal val="visible"/>
+                                      </p:to>
+                                    </p:set>
+                                    <p:animEffect transition="in" filter="fade">
+                                      <p:cBhvr>
+                                        <p:cTn id="10" dur="500"/>
+                                        <p:tgtEl>
+                                          <p:spTgt spid="5122"/>
+                                        </p:tgtEl>
+                                      </p:cBhvr>
+                                    </p:animEffect>
+                                  </p:childTnLst>
+                                </p:cTn>
+                              </p:par>
+                            </p:childTnLst>
+                          </p:cTn>
+                        </p:par>
+                      </p:childTnLst>
+                    </p:cTn>
+                  </p:par>
+                  <p:par>
+                    <p:cTn id="11" fill="hold">
+                      <p:stCondLst>
+                        <p:cond delay="indefinite"/>
+                      </p:stCondLst>
+                      <p:childTnLst>
+                        <p:par>
+                          <p:cTn id="12" fill="hold">
+                            <p:stCondLst>
+                              <p:cond delay="0"/>
+                            </p:stCondLst>
+                            <p:childTnLst>
+                              <p:par>
+                                <p:cTn id="13" presetID="10" presetClass="entr" presetSubtype="0" fill="hold" nodeType="clickEffect">
+                                  <p:stCondLst>
+                                    <p:cond delay="0"/>
+                                  </p:stCondLst>
+                                  <p:childTnLst>
+                                    <p:set>
+                                      <p:cBhvr>
+                                        <p:cTn id="14" dur="1" fill="hold">
+                                          <p:stCondLst>
+                                            <p:cond delay="0"/>
+                                          </p:stCondLst>
+                                        </p:cTn>
+                                        <p:tgtEl>
+                                          <p:spTgt spid="2">
+                                            <p:txEl>
+                                              <p:pRg st="1" end="1"/>
+                                            </p:txEl>
+                                          </p:spTgt>
+                                        </p:tgtEl>
+                                        <p:attrNameLst>
+                                          <p:attrName>style.visibility</p:attrName>
+                                        </p:attrNameLst>
+                                      </p:cBhvr>
+                                      <p:to>
+                                        <p:strVal val="visible"/>
+                                      </p:to>
+                                    </p:set>
+                                    <p:animEffect transition="in" filter="fade">
+                                      <p:cBhvr>
+                                        <p:cTn id="15" dur="500"/>
+                                        <p:tgtEl>
+                                          <p:spTgt spid="2">
+                                            <p:txEl>
+                                              <p:pRg st="1" end="1"/>
+                                            </p:txEl>
+                                          </p:spTgt>
+                                        </p:tgtEl>
+                                      </p:cBhvr>
+                                    </p:animEffect>
+                                  </p:childTnLst>
+                                </p:cTn>
+                              </p:par>
+                            </p:childTnLst>
+                          </p:cTn>
+                        </p:par>
+                      </p:childTnLst>
+                    </p:cTn>
+                  </p:par>
+                  <p:par>
+                    <p:cTn id="16" fill="hold">
+                      <p:stCondLst>
+                        <p:cond delay="indefinite"/>
+                      </p:stCondLst>
+                      <p:childTnLst>
+                        <p:par>
+                          <p:cTn id="17" fill="hold">
+                            <p:stCondLst>
+                              <p:cond delay="0"/>
+                            </p:stCondLst>
+                            <p:childTnLst>
+                              <p:par>
+                                <p:cTn id="18" presetID="10" presetClass="entr" presetSubtype="0" fill="hold" nodeType="clickEffect">
+                                  <p:stCondLst>
+                                    <p:cond delay="0"/>
+                                  </p:stCondLst>
+                                  <p:childTnLst>
+                                    <p:set>
+                                      <p:cBhvr>
+                                        <p:cTn id="19" dur="1" fill="hold">
+                                          <p:stCondLst>
+                                            <p:cond delay="0"/>
+                                          </p:stCondLst>
+                                        </p:cTn>
+                                        <p:tgtEl>
+                                          <p:spTgt spid="2">
+                                            <p:txEl>
+                                              <p:pRg st="2" end="2"/>
+                                            </p:txEl>
+                                          </p:spTgt>
+                                        </p:tgtEl>
+                                        <p:attrNameLst>
+                                          <p:attrName>style.visibility</p:attrName>
+                                        </p:attrNameLst>
+                                      </p:cBhvr>
+                                      <p:to>
+                                        <p:strVal val="visible"/>
+                                      </p:to>
+                                    </p:set>
+                                    <p:animEffect transition="in" filter="fade">
+                                      <p:cBhvr>
+                                        <p:cTn id="20" dur="500"/>
+                                        <p:tgtEl>
+                                          <p:spTgt spid="2">
+                                            <p:txEl>
+                                              <p:pRg st="2" end="2"/>
+                                            </p:txEl>
+                                          </p:spTgt>
+                                        </p:tgtEl>
+                                      </p:cBhvr>
+                                    </p:animEffect>
+                                  </p:childTnLst>
+                                </p:cTn>
+                              </p:par>
+                            </p:childTnLst>
+                          </p:cTn>
+                        </p:par>
+                      </p:childTnLst>
+                    </p:cTn>
+                  </p:par>
+                  <p:par>
+                    <p:cTn id="21" fill="hold">
+                      <p:stCondLst>
+                        <p:cond delay="indefinite"/>
+                      </p:stCondLst>
+                      <p:childTnLst>
+                        <p:par>
+                          <p:cTn id="22" fill="hold">
+                            <p:stCondLst>
+                              <p:cond delay="0"/>
+                            </p:stCondLst>
+                            <p:childTnLst>
+                              <p:par>
+                                <p:cTn id="23" presetID="10" presetClass="entr" presetSubtype="0" fill="hold" nodeType="clickEffect">
+                                  <p:stCondLst>
+                                    <p:cond delay="0"/>
+                                  </p:stCondLst>
+                                  <p:childTnLst>
+                                    <p:set>
+                                      <p:cBhvr>
+                                        <p:cTn id="24" dur="1" fill="hold">
+                                          <p:stCondLst>
+                                            <p:cond delay="0"/>
+                                          </p:stCondLst>
+                                        </p:cTn>
+                                        <p:tgtEl>
+                                          <p:spTgt spid="2">
+                                            <p:txEl>
+                                              <p:pRg st="3" end="3"/>
+                                            </p:txEl>
+                                          </p:spTgt>
+                                        </p:tgtEl>
+                                        <p:attrNameLst>
+                                          <p:attrName>style.visibility</p:attrName>
+                                        </p:attrNameLst>
+                                      </p:cBhvr>
+                                      <p:to>
+                                        <p:strVal val="visible"/>
+                                      </p:to>
+                                    </p:set>
+                                    <p:animEffect transition="in" filter="fade">
+                                      <p:cBhvr>
+                                        <p:cTn id="25" dur="500"/>
+                                        <p:tgtEl>
+                                          <p:spTgt spid="2">
+                                            <p:txEl>
+                                              <p:pRg st="3" end="3"/>
+                                            </p:txEl>
+                                          </p:spTgt>
+                                        </p:tgtEl>
+                                      </p:cBhvr>
+                                    </p:animEffect>
+                                  </p:childTnLst>
+                                </p:cTn>
+                              </p:par>
+                            </p:childTnLst>
+                          </p:cTn>
+                        </p:par>
+                      </p:childTnLst>
+                    </p:cTn>
+                  </p:par>
+                  <p:par>
+                    <p:cTn id="26" fill="hold">
+                      <p:stCondLst>
+                        <p:cond delay="indefinite"/>
+                      </p:stCondLst>
+                      <p:childTnLst>
+                        <p:par>
+                          <p:cTn id="27" fill="hold">
+                            <p:stCondLst>
+                              <p:cond delay="0"/>
+                            </p:stCondLst>
+                            <p:childTnLst>
+                              <p:par>
+                                <p:cTn id="28" presetID="10" presetClass="entr" presetSubtype="0" fill="hold" nodeType="clickEffect">
+                                  <p:stCondLst>
+                                    <p:cond delay="0"/>
+                                  </p:stCondLst>
+                                  <p:childTnLst>
+                                    <p:set>
+                                      <p:cBhvr>
+                                        <p:cTn id="29" dur="1" fill="hold">
+                                          <p:stCondLst>
+                                            <p:cond delay="0"/>
+                                          </p:stCondLst>
+                                        </p:cTn>
+                                        <p:tgtEl>
+                                          <p:spTgt spid="2">
+                                            <p:txEl>
+                                              <p:pRg st="4" end="4"/>
+                                            </p:txEl>
+                                          </p:spTgt>
+                                        </p:tgtEl>
+                                        <p:attrNameLst>
+                                          <p:attrName>style.visibility</p:attrName>
+                                        </p:attrNameLst>
+                                      </p:cBhvr>
+                                      <p:to>
+                                        <p:strVal val="visible"/>
+                                      </p:to>
+                                    </p:set>
+                                    <p:animEffect transition="in" filter="fade">
+                                      <p:cBhvr>
+                                        <p:cTn id="30" dur="500"/>
+                                        <p:tgtEl>
+                                          <p:spTgt spid="2">
+                                            <p:txEl>
+                                              <p:pRg st="4" end="4"/>
+                                            </p:txEl>
+                                          </p:spTgt>
+                                        </p:tgtEl>
+                                      </p:cBhvr>
+                                    </p:animEffect>
+                                  </p:childTnLst>
+                                </p:cTn>
+                              </p:par>
+                            </p:childTnLst>
+                          </p:cTn>
+                        </p:par>
+                      </p:childTnLst>
+                    </p:cTn>
+                  </p:par>
+                  <p:par>
+                    <p:cTn id="31" fill="hold">
+                      <p:stCondLst>
+                        <p:cond delay="indefinite"/>
+                      </p:stCondLst>
+                      <p:childTnLst>
+                        <p:par>
+                          <p:cTn id="32" fill="hold">
+                            <p:stCondLst>
+                              <p:cond delay="0"/>
+                            </p:stCondLst>
+                            <p:childTnLst>
+                              <p:par>
+                                <p:cTn id="33" presetID="10" presetClass="entr" presetSubtype="0" fill="hold" nodeType="clickEffect">
+                                  <p:stCondLst>
+                                    <p:cond delay="0"/>
+                                  </p:stCondLst>
+                                  <p:childTnLst>
+                                    <p:set>
+                                      <p:cBhvr>
+                                        <p:cTn id="34" dur="1" fill="hold">
+                                          <p:stCondLst>
+                                            <p:cond delay="0"/>
+                                          </p:stCondLst>
+                                        </p:cTn>
+                                        <p:tgtEl>
+                                          <p:spTgt spid="2">
+                                            <p:txEl>
+                                              <p:pRg st="5" end="5"/>
+                                            </p:txEl>
+                                          </p:spTgt>
+                                        </p:tgtEl>
+                                        <p:attrNameLst>
+                                          <p:attrName>style.visibility</p:attrName>
+                                        </p:attrNameLst>
+                                      </p:cBhvr>
+                                      <p:to>
+                                        <p:strVal val="visible"/>
+                                      </p:to>
+                                    </p:set>
+                                    <p:animEffect transition="in" filter="fade">
+                                      <p:cBhvr>
+                                        <p:cTn id="35" dur="500"/>
+                                        <p:tgtEl>
+                                          <p:spTgt spid="2">
+                                            <p:txEl>
+                                              <p:pRg st="5" end="5"/>
+                                            </p:txEl>
+                                          </p:spTgt>
+                                        </p:tgtEl>
+                                      </p:cBhvr>
+                                    </p:animEffect>
+                                  </p:childTnLst>
+                                </p:cTn>
+                              </p:par>
+                            </p:childTnLst>
+                          </p:cTn>
+                        </p:par>
+                      </p:childTnLst>
+                    </p:cTn>
+                  </p:par>
+                  <p:par>
+                    <p:cTn id="36" fill="hold">
+                      <p:stCondLst>
+                        <p:cond delay="indefinite"/>
+                      </p:stCondLst>
+                      <p:childTnLst>
+                        <p:par>
+                          <p:cTn id="37" fill="hold">
+                            <p:stCondLst>
+                              <p:cond delay="0"/>
+                            </p:stCondLst>
+                            <p:childTnLst>
+                              <p:par>
+                                <p:cTn id="38" presetID="10" presetClass="entr" presetSubtype="0" fill="hold" nodeType="clickEffect">
+                                  <p:stCondLst>
+                                    <p:cond delay="0"/>
+                                  </p:stCondLst>
+                                  <p:childTnLst>
+                                    <p:set>
+                                      <p:cBhvr>
+                                        <p:cTn id="39" dur="1" fill="hold">
+                                          <p:stCondLst>
+                                            <p:cond delay="0"/>
+                                          </p:stCondLst>
+                                        </p:cTn>
+                                        <p:tgtEl>
+                                          <p:spTgt spid="2">
+                                            <p:txEl>
+                                              <p:pRg st="6" end="6"/>
+                                            </p:txEl>
+                                          </p:spTgt>
+                                        </p:tgtEl>
+                                        <p:attrNameLst>
+                                          <p:attrName>style.visibility</p:attrName>
+                                        </p:attrNameLst>
+                                      </p:cBhvr>
+                                      <p:to>
+                                        <p:strVal val="visible"/>
+                                      </p:to>
+                                    </p:set>
+                                    <p:animEffect transition="in" filter="fade">
+                                      <p:cBhvr>
+                                        <p:cTn id="40" dur="500"/>
+                                        <p:tgtEl>
+                                          <p:spTgt spid="2">
+                                            <p:txEl>
+                                              <p:pRg st="6" end="6"/>
+                                            </p:txEl>
+                                          </p:spTgt>
+                                        </p:tgtEl>
+                                      </p:cBhvr>
+                                    </p:animEffect>
+                                  </p:childTnLst>
+                                </p:cTn>
+                              </p:par>
+                            </p:childTnLst>
+                          </p:cTn>
+                        </p:par>
+                      </p:childTnLst>
+                    </p:cTn>
+                  </p:par>
+                  <p:par>
+                    <p:cTn id="41" fill="hold">
+                      <p:stCondLst>
+                        <p:cond delay="indefinite"/>
+                      </p:stCondLst>
+                      <p:childTnLst>
+                        <p:par>
+                          <p:cTn id="42" fill="hold">
+                            <p:stCondLst>
+                              <p:cond delay="0"/>
+                            </p:stCondLst>
+                            <p:childTnLst>
+                              <p:par>
+                                <p:cTn id="43" presetID="10" presetClass="entr" presetSubtype="0" fill="hold" nodeType="clickEffect">
+                                  <p:stCondLst>
+                                    <p:cond delay="0"/>
+                                  </p:stCondLst>
+                                  <p:childTnLst>
+                                    <p:set>
+                                      <p:cBhvr>
+                                        <p:cTn id="44" dur="1" fill="hold">
+                                          <p:stCondLst>
+                                            <p:cond delay="0"/>
+                                          </p:stCondLst>
+                                        </p:cTn>
+                                        <p:tgtEl>
+                                          <p:spTgt spid="2">
+                                            <p:txEl>
+                                              <p:pRg st="7" end="7"/>
+                                            </p:txEl>
+                                          </p:spTgt>
+                                        </p:tgtEl>
+                                        <p:attrNameLst>
+                                          <p:attrName>style.visibility</p:attrName>
+                                        </p:attrNameLst>
+                                      </p:cBhvr>
+                                      <p:to>
+                                        <p:strVal val="visible"/>
+                                      </p:to>
+                                    </p:set>
+                                    <p:animEffect transition="in" filter="fade">
+                                      <p:cBhvr>
+                                        <p:cTn id="45" dur="500"/>
+                                        <p:tgtEl>
+                                          <p:spTgt spid="2">
+                                            <p:txEl>
+                                              <p:pRg st="7" end="7"/>
+                                            </p:txEl>
+                                          </p:spTgt>
+                                        </p:tgtEl>
+                                      </p:cBhvr>
+                                    </p:animEffect>
+                                  </p:childTnLst>
+                                </p:cTn>
+                              </p:par>
+                            </p:childTnLst>
+                          </p:cTn>
+                        </p:par>
+                      </p:childTnLst>
+                    </p:cTn>
+                  </p:par>
+                  <p:par>
+                    <p:cTn id="46" fill="hold">
+                      <p:stCondLst>
+                        <p:cond delay="indefinite"/>
+                      </p:stCondLst>
+                      <p:childTnLst>
+                        <p:par>
+                          <p:cTn id="47" fill="hold">
+                            <p:stCondLst>
+                              <p:cond delay="0"/>
+                            </p:stCondLst>
+                            <p:childTnLst>
+                              <p:par>
+                                <p:cTn id="48" presetID="10" presetClass="entr" presetSubtype="0" fill="hold" nodeType="clickEffect">
+                                  <p:stCondLst>
+                                    <p:cond delay="0"/>
+                                  </p:stCondLst>
+                                  <p:childTnLst>
+                                    <p:set>
+                                      <p:cBhvr>
+                                        <p:cTn id="49" dur="1" fill="hold">
+                                          <p:stCondLst>
+                                            <p:cond delay="0"/>
+                                          </p:stCondLst>
+                                        </p:cTn>
+                                        <p:tgtEl>
+                                          <p:spTgt spid="2">
+                                            <p:txEl>
+                                              <p:pRg st="8" end="8"/>
+                                            </p:txEl>
+                                          </p:spTgt>
+                                        </p:tgtEl>
+                                        <p:attrNameLst>
+                                          <p:attrName>style.visibility</p:attrName>
+                                        </p:attrNameLst>
+                                      </p:cBhvr>
+                                      <p:to>
+                                        <p:strVal val="visible"/>
+                                      </p:to>
+                                    </p:set>
+                                    <p:animEffect transition="in" filter="fade">
+                                      <p:cBhvr>
+                                        <p:cTn id="50" dur="500"/>
+                                        <p:tgtEl>
+                                          <p:spTgt spid="2">
+                                            <p:txEl>
+                                              <p:pRg st="8" end="8"/>
+                                            </p:txEl>
+                                          </p:spTgt>
+                                        </p:tgtEl>
+                                      </p:cBhvr>
+                                    </p:animEffect>
+                                  </p:childTnLst>
+                                </p:cTn>
+                              </p:par>
+                            </p:childTnLst>
+                          </p:cTn>
+                        </p:par>
+                      </p:childTnLst>
+                    </p:cTn>
+                  </p:par>
+                </p:childTnLst>
+              </p:cTn>
+              <p:prevCondLst>
+                <p:cond evt="onPrev" delay="0">
+                  <p:tgtEl>
+                    <p:sldTgt/>
+                  </p:tgtEl>
+                </p:cond>
+              </p:prevCondLst>
+              <p:nextCondLst>
+                <p:cond evt="onNext" delay="0">
+                  <p:tgtEl>
+                    <p:sldTgt/>
+                  </p:tgtEl>
+                </p:cond>
+              </p:nextCondLst>
+            </p:seq>
+          </p:childTnLst>
+        </p:cTn>
       </p:par>
     </p:tnLst>
   </p:timing>
@@ -5810,7 +7031,293 @@
   <p:timing>
     <p:tnLst>
       <p:par>
-        <p:cTn id="1" dur="indefinite" restart="never" nodeType="tmRoot"/>
+        <p:cTn id="1" dur="indefinite" restart="never" nodeType="tmRoot">
+          <p:childTnLst>
+            <p:seq concurrent="1" nextAc="seek">
+              <p:cTn id="2" dur="indefinite" nodeType="mainSeq">
+                <p:childTnLst>
+                  <p:par>
+                    <p:cTn id="3" fill="hold">
+                      <p:stCondLst>
+                        <p:cond delay="indefinite"/>
+                      </p:stCondLst>
+                      <p:childTnLst>
+                        <p:par>
+                          <p:cTn id="4" fill="hold">
+                            <p:stCondLst>
+                              <p:cond delay="0"/>
+                            </p:stCondLst>
+                            <p:childTnLst>
+                              <p:par>
+                                <p:cTn id="5" presetID="10" presetClass="entr" presetSubtype="0" fill="hold" nodeType="clickEffect">
+                                  <p:stCondLst>
+                                    <p:cond delay="0"/>
+                                  </p:stCondLst>
+                                  <p:childTnLst>
+                                    <p:set>
+                                      <p:cBhvr>
+                                        <p:cTn id="6" dur="1" fill="hold">
+                                          <p:stCondLst>
+                                            <p:cond delay="0"/>
+                                          </p:stCondLst>
+                                        </p:cTn>
+                                        <p:tgtEl>
+                                          <p:spTgt spid="4"/>
+                                        </p:tgtEl>
+                                        <p:attrNameLst>
+                                          <p:attrName>style.visibility</p:attrName>
+                                        </p:attrNameLst>
+                                      </p:cBhvr>
+                                      <p:to>
+                                        <p:strVal val="visible"/>
+                                      </p:to>
+                                    </p:set>
+                                    <p:animEffect transition="in" filter="fade">
+                                      <p:cBhvr>
+                                        <p:cTn id="7" dur="500"/>
+                                        <p:tgtEl>
+                                          <p:spTgt spid="4"/>
+                                        </p:tgtEl>
+                                      </p:cBhvr>
+                                    </p:animEffect>
+                                  </p:childTnLst>
+                                </p:cTn>
+                              </p:par>
+                              <p:par>
+                                <p:cTn id="8" presetID="10" presetClass="entr" presetSubtype="0" fill="hold" nodeType="withEffect">
+                                  <p:stCondLst>
+                                    <p:cond delay="0"/>
+                                  </p:stCondLst>
+                                  <p:childTnLst>
+                                    <p:set>
+                                      <p:cBhvr>
+                                        <p:cTn id="9" dur="1" fill="hold">
+                                          <p:stCondLst>
+                                            <p:cond delay="0"/>
+                                          </p:stCondLst>
+                                        </p:cTn>
+                                        <p:tgtEl>
+                                          <p:spTgt spid="2">
+                                            <p:txEl>
+                                              <p:pRg st="0" end="0"/>
+                                            </p:txEl>
+                                          </p:spTgt>
+                                        </p:tgtEl>
+                                        <p:attrNameLst>
+                                          <p:attrName>style.visibility</p:attrName>
+                                        </p:attrNameLst>
+                                      </p:cBhvr>
+                                      <p:to>
+                                        <p:strVal val="visible"/>
+                                      </p:to>
+                                    </p:set>
+                                    <p:animEffect transition="in" filter="fade">
+                                      <p:cBhvr>
+                                        <p:cTn id="10" dur="500"/>
+                                        <p:tgtEl>
+                                          <p:spTgt spid="2">
+                                            <p:txEl>
+                                              <p:pRg st="0" end="0"/>
+                                            </p:txEl>
+                                          </p:spTgt>
+                                        </p:tgtEl>
+                                      </p:cBhvr>
+                                    </p:animEffect>
+                                  </p:childTnLst>
+                                </p:cTn>
+                              </p:par>
+                            </p:childTnLst>
+                          </p:cTn>
+                        </p:par>
+                      </p:childTnLst>
+                    </p:cTn>
+                  </p:par>
+                  <p:par>
+                    <p:cTn id="11" fill="hold">
+                      <p:stCondLst>
+                        <p:cond delay="indefinite"/>
+                      </p:stCondLst>
+                      <p:childTnLst>
+                        <p:par>
+                          <p:cTn id="12" fill="hold">
+                            <p:stCondLst>
+                              <p:cond delay="0"/>
+                            </p:stCondLst>
+                            <p:childTnLst>
+                              <p:par>
+                                <p:cTn id="13" presetID="10" presetClass="entr" presetSubtype="0" fill="hold" nodeType="clickEffect">
+                                  <p:stCondLst>
+                                    <p:cond delay="0"/>
+                                  </p:stCondLst>
+                                  <p:childTnLst>
+                                    <p:set>
+                                      <p:cBhvr>
+                                        <p:cTn id="14" dur="1" fill="hold">
+                                          <p:stCondLst>
+                                            <p:cond delay="0"/>
+                                          </p:stCondLst>
+                                        </p:cTn>
+                                        <p:tgtEl>
+                                          <p:spTgt spid="2">
+                                            <p:txEl>
+                                              <p:pRg st="1" end="1"/>
+                                            </p:txEl>
+                                          </p:spTgt>
+                                        </p:tgtEl>
+                                        <p:attrNameLst>
+                                          <p:attrName>style.visibility</p:attrName>
+                                        </p:attrNameLst>
+                                      </p:cBhvr>
+                                      <p:to>
+                                        <p:strVal val="visible"/>
+                                      </p:to>
+                                    </p:set>
+                                    <p:animEffect transition="in" filter="fade">
+                                      <p:cBhvr>
+                                        <p:cTn id="15" dur="500"/>
+                                        <p:tgtEl>
+                                          <p:spTgt spid="2">
+                                            <p:txEl>
+                                              <p:pRg st="1" end="1"/>
+                                            </p:txEl>
+                                          </p:spTgt>
+                                        </p:tgtEl>
+                                      </p:cBhvr>
+                                    </p:animEffect>
+                                  </p:childTnLst>
+                                </p:cTn>
+                              </p:par>
+                            </p:childTnLst>
+                          </p:cTn>
+                        </p:par>
+                      </p:childTnLst>
+                    </p:cTn>
+                  </p:par>
+                  <p:par>
+                    <p:cTn id="16" fill="hold">
+                      <p:stCondLst>
+                        <p:cond delay="indefinite"/>
+                      </p:stCondLst>
+                      <p:childTnLst>
+                        <p:par>
+                          <p:cTn id="17" fill="hold">
+                            <p:stCondLst>
+                              <p:cond delay="0"/>
+                            </p:stCondLst>
+                            <p:childTnLst>
+                              <p:par>
+                                <p:cTn id="18" presetID="10" presetClass="entr" presetSubtype="0" fill="hold" nodeType="clickEffect">
+                                  <p:stCondLst>
+                                    <p:cond delay="0"/>
+                                  </p:stCondLst>
+                                  <p:childTnLst>
+                                    <p:set>
+                                      <p:cBhvr>
+                                        <p:cTn id="19" dur="1" fill="hold">
+                                          <p:stCondLst>
+                                            <p:cond delay="0"/>
+                                          </p:stCondLst>
+                                        </p:cTn>
+                                        <p:tgtEl>
+                                          <p:spTgt spid="5"/>
+                                        </p:tgtEl>
+                                        <p:attrNameLst>
+                                          <p:attrName>style.visibility</p:attrName>
+                                        </p:attrNameLst>
+                                      </p:cBhvr>
+                                      <p:to>
+                                        <p:strVal val="visible"/>
+                                      </p:to>
+                                    </p:set>
+                                    <p:animEffect transition="in" filter="fade">
+                                      <p:cBhvr>
+                                        <p:cTn id="20" dur="500"/>
+                                        <p:tgtEl>
+                                          <p:spTgt spid="5"/>
+                                        </p:tgtEl>
+                                      </p:cBhvr>
+                                    </p:animEffect>
+                                  </p:childTnLst>
+                                </p:cTn>
+                              </p:par>
+                            </p:childTnLst>
+                          </p:cTn>
+                        </p:par>
+                      </p:childTnLst>
+                    </p:cTn>
+                  </p:par>
+                  <p:par>
+                    <p:cTn id="21" fill="hold">
+                      <p:stCondLst>
+                        <p:cond delay="indefinite"/>
+                      </p:stCondLst>
+                      <p:childTnLst>
+                        <p:par>
+                          <p:cTn id="22" fill="hold">
+                            <p:stCondLst>
+                              <p:cond delay="0"/>
+                            </p:stCondLst>
+                            <p:childTnLst>
+                              <p:par>
+                                <p:cTn id="23" presetID="10" presetClass="entr" presetSubtype="0" fill="hold" nodeType="clickEffect">
+                                  <p:stCondLst>
+                                    <p:cond delay="0"/>
+                                  </p:stCondLst>
+                                  <p:childTnLst>
+                                    <p:set>
+                                      <p:cBhvr>
+                                        <p:cTn id="24" dur="1" fill="hold">
+                                          <p:stCondLst>
+                                            <p:cond delay="0"/>
+                                          </p:stCondLst>
+                                        </p:cTn>
+                                        <p:tgtEl>
+                                          <p:spTgt spid="6146"/>
+                                        </p:tgtEl>
+                                        <p:attrNameLst>
+                                          <p:attrName>style.visibility</p:attrName>
+                                        </p:attrNameLst>
+                                      </p:cBhvr>
+                                      <p:to>
+                                        <p:strVal val="visible"/>
+                                      </p:to>
+                                    </p:set>
+                                    <p:animEffect transition="in" filter="fade">
+                                      <p:cBhvr>
+                                        <p:cTn id="25" dur="500"/>
+                                        <p:tgtEl>
+                                          <p:spTgt spid="6146"/>
+                                        </p:tgtEl>
+                                      </p:cBhvr>
+                                    </p:animEffect>
+                                  </p:childTnLst>
+                                </p:cTn>
+                              </p:par>
+                            </p:childTnLst>
+                          </p:cTn>
+                        </p:par>
+                      </p:childTnLst>
+                    </p:cTn>
+                  </p:par>
+                </p:childTnLst>
+              </p:cTn>
+              <p:prevCondLst>
+                <p:cond evt="onPrev" delay="0">
+                  <p:tgtEl>
+                    <p:sldTgt/>
+                  </p:tgtEl>
+                </p:cond>
+              </p:prevCondLst>
+              <p:nextCondLst>
+                <p:cond evt="onNext" delay="0">
+                  <p:tgtEl>
+                    <p:sldTgt/>
+                  </p:tgtEl>
+                </p:cond>
+              </p:nextCondLst>
+            </p:seq>
+          </p:childTnLst>
+        </p:cTn>
       </p:par>
     </p:tnLst>
   </p:timing>
@@ -6116,7 +7623,250 @@
   <p:timing>
     <p:tnLst>
       <p:par>
-        <p:cTn id="1" dur="indefinite" restart="never" nodeType="tmRoot"/>
+        <p:cTn id="1" dur="indefinite" restart="never" nodeType="tmRoot">
+          <p:childTnLst>
+            <p:seq concurrent="1" nextAc="seek">
+              <p:cTn id="2" dur="indefinite" nodeType="mainSeq">
+                <p:childTnLst>
+                  <p:par>
+                    <p:cTn id="3" fill="hold">
+                      <p:stCondLst>
+                        <p:cond delay="indefinite"/>
+                      </p:stCondLst>
+                      <p:childTnLst>
+                        <p:par>
+                          <p:cTn id="4" fill="hold">
+                            <p:stCondLst>
+                              <p:cond delay="0"/>
+                            </p:stCondLst>
+                            <p:childTnLst>
+                              <p:par>
+                                <p:cTn id="5" presetID="10" presetClass="entr" presetSubtype="0" fill="hold" nodeType="clickEffect">
+                                  <p:stCondLst>
+                                    <p:cond delay="0"/>
+                                  </p:stCondLst>
+                                  <p:childTnLst>
+                                    <p:set>
+                                      <p:cBhvr>
+                                        <p:cTn id="6" dur="1" fill="hold">
+                                          <p:stCondLst>
+                                            <p:cond delay="0"/>
+                                          </p:stCondLst>
+                                        </p:cTn>
+                                        <p:tgtEl>
+                                          <p:spTgt spid="7170"/>
+                                        </p:tgtEl>
+                                        <p:attrNameLst>
+                                          <p:attrName>style.visibility</p:attrName>
+                                        </p:attrNameLst>
+                                      </p:cBhvr>
+                                      <p:to>
+                                        <p:strVal val="visible"/>
+                                      </p:to>
+                                    </p:set>
+                                    <p:animEffect transition="in" filter="fade">
+                                      <p:cBhvr>
+                                        <p:cTn id="7" dur="500"/>
+                                        <p:tgtEl>
+                                          <p:spTgt spid="7170"/>
+                                        </p:tgtEl>
+                                      </p:cBhvr>
+                                    </p:animEffect>
+                                  </p:childTnLst>
+                                </p:cTn>
+                              </p:par>
+                            </p:childTnLst>
+                          </p:cTn>
+                        </p:par>
+                      </p:childTnLst>
+                    </p:cTn>
+                  </p:par>
+                  <p:par>
+                    <p:cTn id="8" fill="hold">
+                      <p:stCondLst>
+                        <p:cond delay="indefinite"/>
+                      </p:stCondLst>
+                      <p:childTnLst>
+                        <p:par>
+                          <p:cTn id="9" fill="hold">
+                            <p:stCondLst>
+                              <p:cond delay="0"/>
+                            </p:stCondLst>
+                            <p:childTnLst>
+                              <p:par>
+                                <p:cTn id="10" presetID="10" presetClass="entr" presetSubtype="0" fill="hold" nodeType="clickEffect">
+                                  <p:stCondLst>
+                                    <p:cond delay="0"/>
+                                  </p:stCondLst>
+                                  <p:childTnLst>
+                                    <p:set>
+                                      <p:cBhvr>
+                                        <p:cTn id="11" dur="1" fill="hold">
+                                          <p:stCondLst>
+                                            <p:cond delay="0"/>
+                                          </p:stCondLst>
+                                        </p:cTn>
+                                        <p:tgtEl>
+                                          <p:spTgt spid="2">
+                                            <p:txEl>
+                                              <p:pRg st="0" end="0"/>
+                                            </p:txEl>
+                                          </p:spTgt>
+                                        </p:tgtEl>
+                                        <p:attrNameLst>
+                                          <p:attrName>style.visibility</p:attrName>
+                                        </p:attrNameLst>
+                                      </p:cBhvr>
+                                      <p:to>
+                                        <p:strVal val="visible"/>
+                                      </p:to>
+                                    </p:set>
+                                    <p:animEffect transition="in" filter="fade">
+                                      <p:cBhvr>
+                                        <p:cTn id="12" dur="500"/>
+                                        <p:tgtEl>
+                                          <p:spTgt spid="2">
+                                            <p:txEl>
+                                              <p:pRg st="0" end="0"/>
+                                            </p:txEl>
+                                          </p:spTgt>
+                                        </p:tgtEl>
+                                      </p:cBhvr>
+                                    </p:animEffect>
+                                  </p:childTnLst>
+                                </p:cTn>
+                              </p:par>
+                            </p:childTnLst>
+                          </p:cTn>
+                        </p:par>
+                      </p:childTnLst>
+                    </p:cTn>
+                  </p:par>
+                  <p:par>
+                    <p:cTn id="13" fill="hold">
+                      <p:stCondLst>
+                        <p:cond delay="indefinite"/>
+                      </p:stCondLst>
+                      <p:childTnLst>
+                        <p:par>
+                          <p:cTn id="14" fill="hold">
+                            <p:stCondLst>
+                              <p:cond delay="0"/>
+                            </p:stCondLst>
+                            <p:childTnLst>
+                              <p:par>
+                                <p:cTn id="15" presetID="10" presetClass="entr" presetSubtype="0" fill="hold" nodeType="clickEffect">
+                                  <p:stCondLst>
+                                    <p:cond delay="0"/>
+                                  </p:stCondLst>
+                                  <p:childTnLst>
+                                    <p:set>
+                                      <p:cBhvr>
+                                        <p:cTn id="16" dur="1" fill="hold">
+                                          <p:stCondLst>
+                                            <p:cond delay="0"/>
+                                          </p:stCondLst>
+                                        </p:cTn>
+                                        <p:tgtEl>
+                                          <p:spTgt spid="7172"/>
+                                        </p:tgtEl>
+                                        <p:attrNameLst>
+                                          <p:attrName>style.visibility</p:attrName>
+                                        </p:attrNameLst>
+                                      </p:cBhvr>
+                                      <p:to>
+                                        <p:strVal val="visible"/>
+                                      </p:to>
+                                    </p:set>
+                                    <p:animEffect transition="in" filter="fade">
+                                      <p:cBhvr>
+                                        <p:cTn id="17" dur="500"/>
+                                        <p:tgtEl>
+                                          <p:spTgt spid="7172"/>
+                                        </p:tgtEl>
+                                      </p:cBhvr>
+                                    </p:animEffect>
+                                  </p:childTnLst>
+                                </p:cTn>
+                              </p:par>
+                            </p:childTnLst>
+                          </p:cTn>
+                        </p:par>
+                      </p:childTnLst>
+                    </p:cTn>
+                  </p:par>
+                  <p:par>
+                    <p:cTn id="18" fill="hold">
+                      <p:stCondLst>
+                        <p:cond delay="indefinite"/>
+                      </p:stCondLst>
+                      <p:childTnLst>
+                        <p:par>
+                          <p:cTn id="19" fill="hold">
+                            <p:stCondLst>
+                              <p:cond delay="0"/>
+                            </p:stCondLst>
+                            <p:childTnLst>
+                              <p:par>
+                                <p:cTn id="20" presetID="10" presetClass="entr" presetSubtype="0" fill="hold" nodeType="clickEffect">
+                                  <p:stCondLst>
+                                    <p:cond delay="0"/>
+                                  </p:stCondLst>
+                                  <p:childTnLst>
+                                    <p:set>
+                                      <p:cBhvr>
+                                        <p:cTn id="21" dur="1" fill="hold">
+                                          <p:stCondLst>
+                                            <p:cond delay="0"/>
+                                          </p:stCondLst>
+                                        </p:cTn>
+                                        <p:tgtEl>
+                                          <p:spTgt spid="7171"/>
+                                        </p:tgtEl>
+                                        <p:attrNameLst>
+                                          <p:attrName>style.visibility</p:attrName>
+                                        </p:attrNameLst>
+                                      </p:cBhvr>
+                                      <p:to>
+                                        <p:strVal val="visible"/>
+                                      </p:to>
+                                    </p:set>
+                                    <p:animEffect transition="in" filter="fade">
+                                      <p:cBhvr>
+                                        <p:cTn id="22" dur="500"/>
+                                        <p:tgtEl>
+                                          <p:spTgt spid="7171"/>
+                                        </p:tgtEl>
+                                      </p:cBhvr>
+                                    </p:animEffect>
+                                  </p:childTnLst>
+                                </p:cTn>
+                              </p:par>
+                            </p:childTnLst>
+                          </p:cTn>
+                        </p:par>
+                      </p:childTnLst>
+                    </p:cTn>
+                  </p:par>
+                </p:childTnLst>
+              </p:cTn>
+              <p:prevCondLst>
+                <p:cond evt="onPrev" delay="0">
+                  <p:tgtEl>
+                    <p:sldTgt/>
+                  </p:tgtEl>
+                </p:cond>
+              </p:prevCondLst>
+              <p:nextCondLst>
+                <p:cond evt="onNext" delay="0">
+                  <p:tgtEl>
+                    <p:sldTgt/>
+                  </p:tgtEl>
+                </p:cond>
+              </p:nextCondLst>
+            </p:seq>
+          </p:childTnLst>
+        </p:cTn>
       </p:par>
     </p:tnLst>
   </p:timing>
@@ -6468,7 +8218,303 @@
   <p:timing>
     <p:tnLst>
       <p:par>
-        <p:cTn id="1" dur="indefinite" restart="never" nodeType="tmRoot"/>
+        <p:cTn id="1" dur="indefinite" restart="never" nodeType="tmRoot">
+          <p:childTnLst>
+            <p:seq concurrent="1" nextAc="seek">
+              <p:cTn id="2" dur="indefinite" nodeType="mainSeq">
+                <p:childTnLst>
+                  <p:par>
+                    <p:cTn id="3" fill="hold">
+                      <p:stCondLst>
+                        <p:cond delay="indefinite"/>
+                      </p:stCondLst>
+                      <p:childTnLst>
+                        <p:par>
+                          <p:cTn id="4" fill="hold">
+                            <p:stCondLst>
+                              <p:cond delay="0"/>
+                            </p:stCondLst>
+                            <p:childTnLst>
+                              <p:par>
+                                <p:cTn id="5" presetID="10" presetClass="entr" presetSubtype="0" fill="hold" nodeType="clickEffect">
+                                  <p:stCondLst>
+                                    <p:cond delay="0"/>
+                                  </p:stCondLst>
+                                  <p:childTnLst>
+                                    <p:set>
+                                      <p:cBhvr>
+                                        <p:cTn id="6" dur="1" fill="hold">
+                                          <p:stCondLst>
+                                            <p:cond delay="0"/>
+                                          </p:stCondLst>
+                                        </p:cTn>
+                                        <p:tgtEl>
+                                          <p:spTgt spid="2">
+                                            <p:txEl>
+                                              <p:pRg st="0" end="0"/>
+                                            </p:txEl>
+                                          </p:spTgt>
+                                        </p:tgtEl>
+                                        <p:attrNameLst>
+                                          <p:attrName>style.visibility</p:attrName>
+                                        </p:attrNameLst>
+                                      </p:cBhvr>
+                                      <p:to>
+                                        <p:strVal val="visible"/>
+                                      </p:to>
+                                    </p:set>
+                                    <p:animEffect transition="in" filter="fade">
+                                      <p:cBhvr>
+                                        <p:cTn id="7" dur="500"/>
+                                        <p:tgtEl>
+                                          <p:spTgt spid="2">
+                                            <p:txEl>
+                                              <p:pRg st="0" end="0"/>
+                                            </p:txEl>
+                                          </p:spTgt>
+                                        </p:tgtEl>
+                                      </p:cBhvr>
+                                    </p:animEffect>
+                                  </p:childTnLst>
+                                </p:cTn>
+                              </p:par>
+                            </p:childTnLst>
+                          </p:cTn>
+                        </p:par>
+                      </p:childTnLst>
+                    </p:cTn>
+                  </p:par>
+                  <p:par>
+                    <p:cTn id="8" fill="hold">
+                      <p:stCondLst>
+                        <p:cond delay="indefinite"/>
+                      </p:stCondLst>
+                      <p:childTnLst>
+                        <p:par>
+                          <p:cTn id="9" fill="hold">
+                            <p:stCondLst>
+                              <p:cond delay="0"/>
+                            </p:stCondLst>
+                            <p:childTnLst>
+                              <p:par>
+                                <p:cTn id="10" presetID="10" presetClass="entr" presetSubtype="0" fill="hold" nodeType="clickEffect">
+                                  <p:stCondLst>
+                                    <p:cond delay="0"/>
+                                  </p:stCondLst>
+                                  <p:childTnLst>
+                                    <p:set>
+                                      <p:cBhvr>
+                                        <p:cTn id="11" dur="1" fill="hold">
+                                          <p:stCondLst>
+                                            <p:cond delay="0"/>
+                                          </p:stCondLst>
+                                        </p:cTn>
+                                        <p:tgtEl>
+                                          <p:spTgt spid="8194"/>
+                                        </p:tgtEl>
+                                        <p:attrNameLst>
+                                          <p:attrName>style.visibility</p:attrName>
+                                        </p:attrNameLst>
+                                      </p:cBhvr>
+                                      <p:to>
+                                        <p:strVal val="visible"/>
+                                      </p:to>
+                                    </p:set>
+                                    <p:animEffect transition="in" filter="fade">
+                                      <p:cBhvr>
+                                        <p:cTn id="12" dur="500"/>
+                                        <p:tgtEl>
+                                          <p:spTgt spid="8194"/>
+                                        </p:tgtEl>
+                                      </p:cBhvr>
+                                    </p:animEffect>
+                                  </p:childTnLst>
+                                </p:cTn>
+                              </p:par>
+                            </p:childTnLst>
+                          </p:cTn>
+                        </p:par>
+                      </p:childTnLst>
+                    </p:cTn>
+                  </p:par>
+                  <p:par>
+                    <p:cTn id="13" fill="hold">
+                      <p:stCondLst>
+                        <p:cond delay="indefinite"/>
+                      </p:stCondLst>
+                      <p:childTnLst>
+                        <p:par>
+                          <p:cTn id="14" fill="hold">
+                            <p:stCondLst>
+                              <p:cond delay="0"/>
+                            </p:stCondLst>
+                            <p:childTnLst>
+                              <p:par>
+                                <p:cTn id="15" presetID="10" presetClass="entr" presetSubtype="0" fill="hold" nodeType="clickEffect">
+                                  <p:stCondLst>
+                                    <p:cond delay="0"/>
+                                  </p:stCondLst>
+                                  <p:childTnLst>
+                                    <p:set>
+                                      <p:cBhvr>
+                                        <p:cTn id="16" dur="1" fill="hold">
+                                          <p:stCondLst>
+                                            <p:cond delay="0"/>
+                                          </p:stCondLst>
+                                        </p:cTn>
+                                        <p:tgtEl>
+                                          <p:spTgt spid="8195"/>
+                                        </p:tgtEl>
+                                        <p:attrNameLst>
+                                          <p:attrName>style.visibility</p:attrName>
+                                        </p:attrNameLst>
+                                      </p:cBhvr>
+                                      <p:to>
+                                        <p:strVal val="visible"/>
+                                      </p:to>
+                                    </p:set>
+                                    <p:animEffect transition="in" filter="fade">
+                                      <p:cBhvr>
+                                        <p:cTn id="17" dur="500"/>
+                                        <p:tgtEl>
+                                          <p:spTgt spid="8195"/>
+                                        </p:tgtEl>
+                                      </p:cBhvr>
+                                    </p:animEffect>
+                                  </p:childTnLst>
+                                </p:cTn>
+                              </p:par>
+                            </p:childTnLst>
+                          </p:cTn>
+                        </p:par>
+                      </p:childTnLst>
+                    </p:cTn>
+                  </p:par>
+                  <p:par>
+                    <p:cTn id="18" fill="hold">
+                      <p:stCondLst>
+                        <p:cond delay="indefinite"/>
+                      </p:stCondLst>
+                      <p:childTnLst>
+                        <p:par>
+                          <p:cTn id="19" fill="hold">
+                            <p:stCondLst>
+                              <p:cond delay="0"/>
+                            </p:stCondLst>
+                            <p:childTnLst>
+                              <p:par>
+                                <p:cTn id="20" presetID="10" presetClass="entr" presetSubtype="0" fill="hold" nodeType="clickEffect">
+                                  <p:stCondLst>
+                                    <p:cond delay="0"/>
+                                  </p:stCondLst>
+                                  <p:childTnLst>
+                                    <p:set>
+                                      <p:cBhvr>
+                                        <p:cTn id="21" dur="1" fill="hold">
+                                          <p:stCondLst>
+                                            <p:cond delay="0"/>
+                                          </p:stCondLst>
+                                        </p:cTn>
+                                        <p:tgtEl>
+                                          <p:spTgt spid="8196"/>
+                                        </p:tgtEl>
+                                        <p:attrNameLst>
+                                          <p:attrName>style.visibility</p:attrName>
+                                        </p:attrNameLst>
+                                      </p:cBhvr>
+                                      <p:to>
+                                        <p:strVal val="visible"/>
+                                      </p:to>
+                                    </p:set>
+                                    <p:animEffect transition="in" filter="fade">
+                                      <p:cBhvr>
+                                        <p:cTn id="22" dur="500"/>
+                                        <p:tgtEl>
+                                          <p:spTgt spid="8196"/>
+                                        </p:tgtEl>
+                                      </p:cBhvr>
+                                    </p:animEffect>
+                                  </p:childTnLst>
+                                </p:cTn>
+                              </p:par>
+                            </p:childTnLst>
+                          </p:cTn>
+                        </p:par>
+                      </p:childTnLst>
+                    </p:cTn>
+                  </p:par>
+                  <p:par>
+                    <p:cTn id="23" fill="hold">
+                      <p:stCondLst>
+                        <p:cond delay="indefinite"/>
+                      </p:stCondLst>
+                      <p:childTnLst>
+                        <p:par>
+                          <p:cTn id="24" fill="hold">
+                            <p:stCondLst>
+                              <p:cond delay="0"/>
+                            </p:stCondLst>
+                            <p:childTnLst>
+                              <p:par>
+                                <p:cTn id="25" presetID="10" presetClass="entr" presetSubtype="0" fill="hold" nodeType="clickEffect">
+                                  <p:stCondLst>
+                                    <p:cond delay="0"/>
+                                  </p:stCondLst>
+                                  <p:childTnLst>
+                                    <p:set>
+                                      <p:cBhvr>
+                                        <p:cTn id="26" dur="1" fill="hold">
+                                          <p:stCondLst>
+                                            <p:cond delay="0"/>
+                                          </p:stCondLst>
+                                        </p:cTn>
+                                        <p:tgtEl>
+                                          <p:spTgt spid="8197"/>
+                                        </p:tgtEl>
+                                        <p:attrNameLst>
+                                          <p:attrName>style.visibility</p:attrName>
+                                        </p:attrNameLst>
+                                      </p:cBhvr>
+                                      <p:to>
+                                        <p:strVal val="visible"/>
+                                      </p:to>
+                                    </p:set>
+                                    <p:animEffect transition="in" filter="fade">
+                                      <p:cBhvr>
+                                        <p:cTn id="27" dur="500"/>
+                                        <p:tgtEl>
+                                          <p:spTgt spid="8197"/>
+                                        </p:tgtEl>
+                                      </p:cBhvr>
+                                    </p:animEffect>
+                                  </p:childTnLst>
+                                </p:cTn>
+                              </p:par>
+                            </p:childTnLst>
+                          </p:cTn>
+                        </p:par>
+                      </p:childTnLst>
+                    </p:cTn>
+                  </p:par>
+                </p:childTnLst>
+              </p:cTn>
+              <p:prevCondLst>
+                <p:cond evt="onPrev" delay="0">
+                  <p:tgtEl>
+                    <p:sldTgt/>
+                  </p:tgtEl>
+                </p:cond>
+              </p:prevCondLst>
+              <p:nextCondLst>
+                <p:cond evt="onNext" delay="0">
+                  <p:tgtEl>
+                    <p:sldTgt/>
+                  </p:tgtEl>
+                </p:cond>
+              </p:nextCondLst>
+            </p:seq>
+          </p:childTnLst>
+        </p:cTn>
       </p:par>
     </p:tnLst>
   </p:timing>
@@ -7031,7 +9077,353 @@
   <p:timing>
     <p:tnLst>
       <p:par>
-        <p:cTn id="1" dur="indefinite" restart="never" nodeType="tmRoot"/>
+        <p:cTn id="1" dur="indefinite" restart="never" nodeType="tmRoot">
+          <p:childTnLst>
+            <p:seq concurrent="1" nextAc="seek">
+              <p:cTn id="2" dur="indefinite" nodeType="mainSeq">
+                <p:childTnLst>
+                  <p:par>
+                    <p:cTn id="3" fill="hold">
+                      <p:stCondLst>
+                        <p:cond delay="indefinite"/>
+                      </p:stCondLst>
+                      <p:childTnLst>
+                        <p:par>
+                          <p:cTn id="4" fill="hold">
+                            <p:stCondLst>
+                              <p:cond delay="0"/>
+                            </p:stCondLst>
+                            <p:childTnLst>
+                              <p:par>
+                                <p:cTn id="5" presetID="10" presetClass="entr" presetSubtype="0" fill="hold" nodeType="clickEffect">
+                                  <p:stCondLst>
+                                    <p:cond delay="0"/>
+                                  </p:stCondLst>
+                                  <p:childTnLst>
+                                    <p:set>
+                                      <p:cBhvr>
+                                        <p:cTn id="6" dur="1" fill="hold">
+                                          <p:stCondLst>
+                                            <p:cond delay="0"/>
+                                          </p:stCondLst>
+                                        </p:cTn>
+                                        <p:tgtEl>
+                                          <p:spTgt spid="2">
+                                            <p:txEl>
+                                              <p:pRg st="0" end="0"/>
+                                            </p:txEl>
+                                          </p:spTgt>
+                                        </p:tgtEl>
+                                        <p:attrNameLst>
+                                          <p:attrName>style.visibility</p:attrName>
+                                        </p:attrNameLst>
+                                      </p:cBhvr>
+                                      <p:to>
+                                        <p:strVal val="visible"/>
+                                      </p:to>
+                                    </p:set>
+                                    <p:animEffect transition="in" filter="fade">
+                                      <p:cBhvr>
+                                        <p:cTn id="7" dur="500"/>
+                                        <p:tgtEl>
+                                          <p:spTgt spid="2">
+                                            <p:txEl>
+                                              <p:pRg st="0" end="0"/>
+                                            </p:txEl>
+                                          </p:spTgt>
+                                        </p:tgtEl>
+                                      </p:cBhvr>
+                                    </p:animEffect>
+                                  </p:childTnLst>
+                                </p:cTn>
+                              </p:par>
+                            </p:childTnLst>
+                          </p:cTn>
+                        </p:par>
+                      </p:childTnLst>
+                    </p:cTn>
+                  </p:par>
+                  <p:par>
+                    <p:cTn id="8" fill="hold">
+                      <p:stCondLst>
+                        <p:cond delay="indefinite"/>
+                      </p:stCondLst>
+                      <p:childTnLst>
+                        <p:par>
+                          <p:cTn id="9" fill="hold">
+                            <p:stCondLst>
+                              <p:cond delay="0"/>
+                            </p:stCondLst>
+                            <p:childTnLst>
+                              <p:par>
+                                <p:cTn id="10" presetID="10" presetClass="entr" presetSubtype="0" fill="hold" nodeType="clickEffect">
+                                  <p:stCondLst>
+                                    <p:cond delay="0"/>
+                                  </p:stCondLst>
+                                  <p:childTnLst>
+                                    <p:set>
+                                      <p:cBhvr>
+                                        <p:cTn id="11" dur="1" fill="hold">
+                                          <p:stCondLst>
+                                            <p:cond delay="0"/>
+                                          </p:stCondLst>
+                                        </p:cTn>
+                                        <p:tgtEl>
+                                          <p:spTgt spid="2">
+                                            <p:txEl>
+                                              <p:pRg st="1" end="1"/>
+                                            </p:txEl>
+                                          </p:spTgt>
+                                        </p:tgtEl>
+                                        <p:attrNameLst>
+                                          <p:attrName>style.visibility</p:attrName>
+                                        </p:attrNameLst>
+                                      </p:cBhvr>
+                                      <p:to>
+                                        <p:strVal val="visible"/>
+                                      </p:to>
+                                    </p:set>
+                                    <p:animEffect transition="in" filter="fade">
+                                      <p:cBhvr>
+                                        <p:cTn id="12" dur="500"/>
+                                        <p:tgtEl>
+                                          <p:spTgt spid="2">
+                                            <p:txEl>
+                                              <p:pRg st="1" end="1"/>
+                                            </p:txEl>
+                                          </p:spTgt>
+                                        </p:tgtEl>
+                                      </p:cBhvr>
+                                    </p:animEffect>
+                                  </p:childTnLst>
+                                </p:cTn>
+                              </p:par>
+                              <p:par>
+                                <p:cTn id="13" presetID="10" presetClass="entr" presetSubtype="0" fill="hold" nodeType="withEffect">
+                                  <p:stCondLst>
+                                    <p:cond delay="0"/>
+                                  </p:stCondLst>
+                                  <p:childTnLst>
+                                    <p:set>
+                                      <p:cBhvr>
+                                        <p:cTn id="14" dur="1" fill="hold">
+                                          <p:stCondLst>
+                                            <p:cond delay="0"/>
+                                          </p:stCondLst>
+                                        </p:cTn>
+                                        <p:tgtEl>
+                                          <p:spTgt spid="9218"/>
+                                        </p:tgtEl>
+                                        <p:attrNameLst>
+                                          <p:attrName>style.visibility</p:attrName>
+                                        </p:attrNameLst>
+                                      </p:cBhvr>
+                                      <p:to>
+                                        <p:strVal val="visible"/>
+                                      </p:to>
+                                    </p:set>
+                                    <p:animEffect transition="in" filter="fade">
+                                      <p:cBhvr>
+                                        <p:cTn id="15" dur="500"/>
+                                        <p:tgtEl>
+                                          <p:spTgt spid="9218"/>
+                                        </p:tgtEl>
+                                      </p:cBhvr>
+                                    </p:animEffect>
+                                  </p:childTnLst>
+                                </p:cTn>
+                              </p:par>
+                              <p:par>
+                                <p:cTn id="16" presetID="10" presetClass="entr" presetSubtype="0" fill="hold" nodeType="withEffect">
+                                  <p:stCondLst>
+                                    <p:cond delay="0"/>
+                                  </p:stCondLst>
+                                  <p:childTnLst>
+                                    <p:set>
+                                      <p:cBhvr>
+                                        <p:cTn id="17" dur="1" fill="hold">
+                                          <p:stCondLst>
+                                            <p:cond delay="0"/>
+                                          </p:stCondLst>
+                                        </p:cTn>
+                                        <p:tgtEl>
+                                          <p:spTgt spid="9219"/>
+                                        </p:tgtEl>
+                                        <p:attrNameLst>
+                                          <p:attrName>style.visibility</p:attrName>
+                                        </p:attrNameLst>
+                                      </p:cBhvr>
+                                      <p:to>
+                                        <p:strVal val="visible"/>
+                                      </p:to>
+                                    </p:set>
+                                    <p:animEffect transition="in" filter="fade">
+                                      <p:cBhvr>
+                                        <p:cTn id="18" dur="500"/>
+                                        <p:tgtEl>
+                                          <p:spTgt spid="9219"/>
+                                        </p:tgtEl>
+                                      </p:cBhvr>
+                                    </p:animEffect>
+                                  </p:childTnLst>
+                                </p:cTn>
+                              </p:par>
+                            </p:childTnLst>
+                          </p:cTn>
+                        </p:par>
+                      </p:childTnLst>
+                    </p:cTn>
+                  </p:par>
+                  <p:par>
+                    <p:cTn id="19" fill="hold">
+                      <p:stCondLst>
+                        <p:cond delay="indefinite"/>
+                      </p:stCondLst>
+                      <p:childTnLst>
+                        <p:par>
+                          <p:cTn id="20" fill="hold">
+                            <p:stCondLst>
+                              <p:cond delay="0"/>
+                            </p:stCondLst>
+                            <p:childTnLst>
+                              <p:par>
+                                <p:cTn id="21" presetID="10" presetClass="entr" presetSubtype="0" fill="hold" nodeType="clickEffect">
+                                  <p:stCondLst>
+                                    <p:cond delay="0"/>
+                                  </p:stCondLst>
+                                  <p:childTnLst>
+                                    <p:set>
+                                      <p:cBhvr>
+                                        <p:cTn id="22" dur="1" fill="hold">
+                                          <p:stCondLst>
+                                            <p:cond delay="0"/>
+                                          </p:stCondLst>
+                                        </p:cTn>
+                                        <p:tgtEl>
+                                          <p:spTgt spid="2">
+                                            <p:txEl>
+                                              <p:pRg st="12" end="12"/>
+                                            </p:txEl>
+                                          </p:spTgt>
+                                        </p:tgtEl>
+                                        <p:attrNameLst>
+                                          <p:attrName>style.visibility</p:attrName>
+                                        </p:attrNameLst>
+                                      </p:cBhvr>
+                                      <p:to>
+                                        <p:strVal val="visible"/>
+                                      </p:to>
+                                    </p:set>
+                                    <p:animEffect transition="in" filter="fade">
+                                      <p:cBhvr>
+                                        <p:cTn id="23" dur="500"/>
+                                        <p:tgtEl>
+                                          <p:spTgt spid="2">
+                                            <p:txEl>
+                                              <p:pRg st="12" end="12"/>
+                                            </p:txEl>
+                                          </p:spTgt>
+                                        </p:tgtEl>
+                                      </p:cBhvr>
+                                    </p:animEffect>
+                                  </p:childTnLst>
+                                </p:cTn>
+                              </p:par>
+                              <p:par>
+                                <p:cTn id="24" presetID="10" presetClass="entr" presetSubtype="0" fill="hold" nodeType="withEffect">
+                                  <p:stCondLst>
+                                    <p:cond delay="0"/>
+                                  </p:stCondLst>
+                                  <p:childTnLst>
+                                    <p:set>
+                                      <p:cBhvr>
+                                        <p:cTn id="25" dur="1" fill="hold">
+                                          <p:stCondLst>
+                                            <p:cond delay="0"/>
+                                          </p:stCondLst>
+                                        </p:cTn>
+                                        <p:tgtEl>
+                                          <p:spTgt spid="9221"/>
+                                        </p:tgtEl>
+                                        <p:attrNameLst>
+                                          <p:attrName>style.visibility</p:attrName>
+                                        </p:attrNameLst>
+                                      </p:cBhvr>
+                                      <p:to>
+                                        <p:strVal val="visible"/>
+                                      </p:to>
+                                    </p:set>
+                                    <p:animEffect transition="in" filter="fade">
+                                      <p:cBhvr>
+                                        <p:cTn id="26" dur="500"/>
+                                        <p:tgtEl>
+                                          <p:spTgt spid="9221"/>
+                                        </p:tgtEl>
+                                      </p:cBhvr>
+                                    </p:animEffect>
+                                  </p:childTnLst>
+                                </p:cTn>
+                              </p:par>
+                              <p:par>
+                                <p:cTn id="27" presetID="10" presetClass="entr" presetSubtype="0" fill="hold" nodeType="withEffect">
+                                  <p:stCondLst>
+                                    <p:cond delay="0"/>
+                                  </p:stCondLst>
+                                  <p:childTnLst>
+                                    <p:set>
+                                      <p:cBhvr>
+                                        <p:cTn id="28" dur="1" fill="hold">
+                                          <p:stCondLst>
+                                            <p:cond delay="0"/>
+                                          </p:stCondLst>
+                                        </p:cTn>
+                                        <p:tgtEl>
+                                          <p:spTgt spid="9222"/>
+                                        </p:tgtEl>
+                                        <p:attrNameLst>
+                                          <p:attrName>style.visibility</p:attrName>
+                                        </p:attrNameLst>
+                                      </p:cBhvr>
+                                      <p:to>
+                                        <p:strVal val="visible"/>
+                                      </p:to>
+                                    </p:set>
+                                    <p:animEffect transition="in" filter="fade">
+                                      <p:cBhvr>
+                                        <p:cTn id="29" dur="500"/>
+                                        <p:tgtEl>
+                                          <p:spTgt spid="9222"/>
+                                        </p:tgtEl>
+                                      </p:cBhvr>
+                                    </p:animEffect>
+                                  </p:childTnLst>
+                                </p:cTn>
+                              </p:par>
+                            </p:childTnLst>
+                          </p:cTn>
+                        </p:par>
+                      </p:childTnLst>
+                    </p:cTn>
+                  </p:par>
+                </p:childTnLst>
+              </p:cTn>
+              <p:prevCondLst>
+                <p:cond evt="onPrev" delay="0">
+                  <p:tgtEl>
+                    <p:sldTgt/>
+                  </p:tgtEl>
+                </p:cond>
+              </p:prevCondLst>
+              <p:nextCondLst>
+                <p:cond evt="onNext" delay="0">
+                  <p:tgtEl>
+                    <p:sldTgt/>
+                  </p:tgtEl>
+                </p:cond>
+              </p:nextCondLst>
+            </p:seq>
+          </p:childTnLst>
+        </p:cTn>
       </p:par>
     </p:tnLst>
   </p:timing>
@@ -7273,7 +9665,274 @@
   <p:timing>
     <p:tnLst>
       <p:par>
-        <p:cTn id="1" dur="indefinite" restart="never" nodeType="tmRoot"/>
+        <p:cTn id="1" dur="indefinite" restart="never" nodeType="tmRoot">
+          <p:childTnLst>
+            <p:seq concurrent="1" nextAc="seek">
+              <p:cTn id="2" dur="indefinite" nodeType="mainSeq">
+                <p:childTnLst>
+                  <p:par>
+                    <p:cTn id="3" fill="hold">
+                      <p:stCondLst>
+                        <p:cond delay="indefinite"/>
+                      </p:stCondLst>
+                      <p:childTnLst>
+                        <p:par>
+                          <p:cTn id="4" fill="hold">
+                            <p:stCondLst>
+                              <p:cond delay="0"/>
+                            </p:stCondLst>
+                            <p:childTnLst>
+                              <p:par>
+                                <p:cTn id="5" presetID="10" presetClass="entr" presetSubtype="0" fill="hold" nodeType="clickEffect">
+                                  <p:stCondLst>
+                                    <p:cond delay="0"/>
+                                  </p:stCondLst>
+                                  <p:childTnLst>
+                                    <p:set>
+                                      <p:cBhvr>
+                                        <p:cTn id="6" dur="1" fill="hold">
+                                          <p:stCondLst>
+                                            <p:cond delay="0"/>
+                                          </p:stCondLst>
+                                        </p:cTn>
+                                        <p:tgtEl>
+                                          <p:spTgt spid="2">
+                                            <p:txEl>
+                                              <p:pRg st="0" end="0"/>
+                                            </p:txEl>
+                                          </p:spTgt>
+                                        </p:tgtEl>
+                                        <p:attrNameLst>
+                                          <p:attrName>style.visibility</p:attrName>
+                                        </p:attrNameLst>
+                                      </p:cBhvr>
+                                      <p:to>
+                                        <p:strVal val="visible"/>
+                                      </p:to>
+                                    </p:set>
+                                    <p:animEffect transition="in" filter="fade">
+                                      <p:cBhvr>
+                                        <p:cTn id="7" dur="500"/>
+                                        <p:tgtEl>
+                                          <p:spTgt spid="2">
+                                            <p:txEl>
+                                              <p:pRg st="0" end="0"/>
+                                            </p:txEl>
+                                          </p:spTgt>
+                                        </p:tgtEl>
+                                      </p:cBhvr>
+                                    </p:animEffect>
+                                  </p:childTnLst>
+                                </p:cTn>
+                              </p:par>
+                            </p:childTnLst>
+                          </p:cTn>
+                        </p:par>
+                      </p:childTnLst>
+                    </p:cTn>
+                  </p:par>
+                  <p:par>
+                    <p:cTn id="8" fill="hold">
+                      <p:stCondLst>
+                        <p:cond delay="indefinite"/>
+                      </p:stCondLst>
+                      <p:childTnLst>
+                        <p:par>
+                          <p:cTn id="9" fill="hold">
+                            <p:stCondLst>
+                              <p:cond delay="0"/>
+                            </p:stCondLst>
+                            <p:childTnLst>
+                              <p:par>
+                                <p:cTn id="10" presetID="10" presetClass="entr" presetSubtype="0" fill="hold" nodeType="clickEffect">
+                                  <p:stCondLst>
+                                    <p:cond delay="0"/>
+                                  </p:stCondLst>
+                                  <p:childTnLst>
+                                    <p:set>
+                                      <p:cBhvr>
+                                        <p:cTn id="11" dur="1" fill="hold">
+                                          <p:stCondLst>
+                                            <p:cond delay="0"/>
+                                          </p:stCondLst>
+                                        </p:cTn>
+                                        <p:tgtEl>
+                                          <p:spTgt spid="2">
+                                            <p:txEl>
+                                              <p:pRg st="2" end="2"/>
+                                            </p:txEl>
+                                          </p:spTgt>
+                                        </p:tgtEl>
+                                        <p:attrNameLst>
+                                          <p:attrName>style.visibility</p:attrName>
+                                        </p:attrNameLst>
+                                      </p:cBhvr>
+                                      <p:to>
+                                        <p:strVal val="visible"/>
+                                      </p:to>
+                                    </p:set>
+                                    <p:animEffect transition="in" filter="fade">
+                                      <p:cBhvr>
+                                        <p:cTn id="12" dur="500"/>
+                                        <p:tgtEl>
+                                          <p:spTgt spid="2">
+                                            <p:txEl>
+                                              <p:pRg st="2" end="2"/>
+                                            </p:txEl>
+                                          </p:spTgt>
+                                        </p:tgtEl>
+                                      </p:cBhvr>
+                                    </p:animEffect>
+                                  </p:childTnLst>
+                                </p:cTn>
+                              </p:par>
+                            </p:childTnLst>
+                          </p:cTn>
+                        </p:par>
+                      </p:childTnLst>
+                    </p:cTn>
+                  </p:par>
+                  <p:par>
+                    <p:cTn id="13" fill="hold">
+                      <p:stCondLst>
+                        <p:cond delay="indefinite"/>
+                      </p:stCondLst>
+                      <p:childTnLst>
+                        <p:par>
+                          <p:cTn id="14" fill="hold">
+                            <p:stCondLst>
+                              <p:cond delay="0"/>
+                            </p:stCondLst>
+                            <p:childTnLst>
+                              <p:par>
+                                <p:cTn id="15" presetID="10" presetClass="entr" presetSubtype="0" fill="hold" nodeType="clickEffect">
+                                  <p:stCondLst>
+                                    <p:cond delay="0"/>
+                                  </p:stCondLst>
+                                  <p:childTnLst>
+                                    <p:set>
+                                      <p:cBhvr>
+                                        <p:cTn id="16" dur="1" fill="hold">
+                                          <p:stCondLst>
+                                            <p:cond delay="0"/>
+                                          </p:stCondLst>
+                                        </p:cTn>
+                                        <p:tgtEl>
+                                          <p:spTgt spid="2">
+                                            <p:txEl>
+                                              <p:pRg st="4" end="4"/>
+                                            </p:txEl>
+                                          </p:spTgt>
+                                        </p:tgtEl>
+                                        <p:attrNameLst>
+                                          <p:attrName>style.visibility</p:attrName>
+                                        </p:attrNameLst>
+                                      </p:cBhvr>
+                                      <p:to>
+                                        <p:strVal val="visible"/>
+                                      </p:to>
+                                    </p:set>
+                                    <p:animEffect transition="in" filter="fade">
+                                      <p:cBhvr>
+                                        <p:cTn id="17" dur="500"/>
+                                        <p:tgtEl>
+                                          <p:spTgt spid="2">
+                                            <p:txEl>
+                                              <p:pRg st="4" end="4"/>
+                                            </p:txEl>
+                                          </p:spTgt>
+                                        </p:tgtEl>
+                                      </p:cBhvr>
+                                    </p:animEffect>
+                                  </p:childTnLst>
+                                </p:cTn>
+                              </p:par>
+                            </p:childTnLst>
+                          </p:cTn>
+                        </p:par>
+                      </p:childTnLst>
+                    </p:cTn>
+                  </p:par>
+                  <p:par>
+                    <p:cTn id="18" fill="hold">
+                      <p:stCondLst>
+                        <p:cond delay="indefinite"/>
+                      </p:stCondLst>
+                      <p:childTnLst>
+                        <p:par>
+                          <p:cTn id="19" fill="hold">
+                            <p:stCondLst>
+                              <p:cond delay="0"/>
+                            </p:stCondLst>
+                            <p:childTnLst>
+                              <p:par>
+                                <p:cTn id="20" presetID="10" presetClass="entr" presetSubtype="0" fill="hold" nodeType="clickEffect">
+                                  <p:stCondLst>
+                                    <p:cond delay="0"/>
+                                  </p:stCondLst>
+                                  <p:childTnLst>
+                                    <p:set>
+                                      <p:cBhvr>
+                                        <p:cTn id="21" dur="1" fill="hold">
+                                          <p:stCondLst>
+                                            <p:cond delay="0"/>
+                                          </p:stCondLst>
+                                        </p:cTn>
+                                        <p:tgtEl>
+                                          <p:spTgt spid="2">
+                                            <p:txEl>
+                                              <p:pRg st="6" end="6"/>
+                                            </p:txEl>
+                                          </p:spTgt>
+                                        </p:tgtEl>
+                                        <p:attrNameLst>
+                                          <p:attrName>style.visibility</p:attrName>
+                                        </p:attrNameLst>
+                                      </p:cBhvr>
+                                      <p:to>
+                                        <p:strVal val="visible"/>
+                                      </p:to>
+                                    </p:set>
+                                    <p:animEffect transition="in" filter="fade">
+                                      <p:cBhvr>
+                                        <p:cTn id="22" dur="500"/>
+                                        <p:tgtEl>
+                                          <p:spTgt spid="2">
+                                            <p:txEl>
+                                              <p:pRg st="6" end="6"/>
+                                            </p:txEl>
+                                          </p:spTgt>
+                                        </p:tgtEl>
+                                      </p:cBhvr>
+                                    </p:animEffect>
+                                  </p:childTnLst>
+                                </p:cTn>
+                              </p:par>
+                            </p:childTnLst>
+                          </p:cTn>
+                        </p:par>
+                      </p:childTnLst>
+                    </p:cTn>
+                  </p:par>
+                </p:childTnLst>
+              </p:cTn>
+              <p:prevCondLst>
+                <p:cond evt="onPrev" delay="0">
+                  <p:tgtEl>
+                    <p:sldTgt/>
+                  </p:tgtEl>
+                </p:cond>
+              </p:prevCondLst>
+              <p:nextCondLst>
+                <p:cond evt="onNext" delay="0">
+                  <p:tgtEl>
+                    <p:sldTgt/>
+                  </p:tgtEl>
+                </p:cond>
+              </p:nextCondLst>
+            </p:seq>
+          </p:childTnLst>
+        </p:cTn>
       </p:par>
     </p:tnLst>
   </p:timing>
@@ -7382,7 +10041,134 @@
   <p:timing>
     <p:tnLst>
       <p:par>
-        <p:cTn id="1" dur="indefinite" restart="never" nodeType="tmRoot"/>
+        <p:cTn id="1" dur="indefinite" restart="never" nodeType="tmRoot">
+          <p:childTnLst>
+            <p:seq concurrent="1" nextAc="seek">
+              <p:cTn id="2" dur="indefinite" nodeType="mainSeq">
+                <p:childTnLst>
+                  <p:par>
+                    <p:cTn id="3" fill="hold">
+                      <p:stCondLst>
+                        <p:cond delay="indefinite"/>
+                      </p:stCondLst>
+                      <p:childTnLst>
+                        <p:par>
+                          <p:cTn id="4" fill="hold">
+                            <p:stCondLst>
+                              <p:cond delay="0"/>
+                            </p:stCondLst>
+                            <p:childTnLst>
+                              <p:par>
+                                <p:cTn id="5" presetID="10" presetClass="entr" presetSubtype="0" fill="hold" nodeType="clickEffect">
+                                  <p:stCondLst>
+                                    <p:cond delay="0"/>
+                                  </p:stCondLst>
+                                  <p:childTnLst>
+                                    <p:set>
+                                      <p:cBhvr>
+                                        <p:cTn id="6" dur="1" fill="hold">
+                                          <p:stCondLst>
+                                            <p:cond delay="0"/>
+                                          </p:stCondLst>
+                                        </p:cTn>
+                                        <p:tgtEl>
+                                          <p:spTgt spid="2">
+                                            <p:txEl>
+                                              <p:pRg st="0" end="0"/>
+                                            </p:txEl>
+                                          </p:spTgt>
+                                        </p:tgtEl>
+                                        <p:attrNameLst>
+                                          <p:attrName>style.visibility</p:attrName>
+                                        </p:attrNameLst>
+                                      </p:cBhvr>
+                                      <p:to>
+                                        <p:strVal val="visible"/>
+                                      </p:to>
+                                    </p:set>
+                                    <p:animEffect transition="in" filter="fade">
+                                      <p:cBhvr>
+                                        <p:cTn id="7" dur="500"/>
+                                        <p:tgtEl>
+                                          <p:spTgt spid="2">
+                                            <p:txEl>
+                                              <p:pRg st="0" end="0"/>
+                                            </p:txEl>
+                                          </p:spTgt>
+                                        </p:tgtEl>
+                                      </p:cBhvr>
+                                    </p:animEffect>
+                                  </p:childTnLst>
+                                </p:cTn>
+                              </p:par>
+                              <p:par>
+                                <p:cTn id="8" presetID="10" presetClass="entr" presetSubtype="0" fill="hold" nodeType="withEffect">
+                                  <p:stCondLst>
+                                    <p:cond delay="0"/>
+                                  </p:stCondLst>
+                                  <p:childTnLst>
+                                    <p:set>
+                                      <p:cBhvr>
+                                        <p:cTn id="9" dur="1" fill="hold">
+                                          <p:stCondLst>
+                                            <p:cond delay="0"/>
+                                          </p:stCondLst>
+                                        </p:cTn>
+                                        <p:tgtEl>
+                                          <p:spTgt spid="2">
+                                            <p:txEl>
+                                              <p:pRg st="2" end="2"/>
+                                            </p:txEl>
+                                          </p:spTgt>
+                                        </p:tgtEl>
+                                        <p:attrNameLst>
+                                          <p:attrName>style.visibility</p:attrName>
+                                        </p:attrNameLst>
+                                      </p:cBhvr>
+                                      <p:to>
+                                        <p:strVal val="visible"/>
+                                      </p:to>
+                                    </p:set>
+                                    <p:animEffect transition="in" filter="fade">
+                                      <p:cBhvr>
+                                        <p:cTn id="10" dur="500"/>
+                                        <p:tgtEl>
+                                          <p:spTgt spid="2">
+                                            <p:txEl>
+                                              <p:pRg st="2" end="2"/>
+                                            </p:txEl>
+                                          </p:spTgt>
+                                        </p:tgtEl>
+                                      </p:cBhvr>
+                                    </p:animEffect>
+                                  </p:childTnLst>
+                                </p:cTn>
+                              </p:par>
+                            </p:childTnLst>
+                          </p:cTn>
+                        </p:par>
+                      </p:childTnLst>
+                    </p:cTn>
+                  </p:par>
+                </p:childTnLst>
+              </p:cTn>
+              <p:prevCondLst>
+                <p:cond evt="onPrev" delay="0">
+                  <p:tgtEl>
+                    <p:sldTgt/>
+                  </p:tgtEl>
+                </p:cond>
+              </p:prevCondLst>
+              <p:nextCondLst>
+                <p:cond evt="onNext" delay="0">
+                  <p:tgtEl>
+                    <p:sldTgt/>
+                  </p:tgtEl>
+                </p:cond>
+              </p:nextCondLst>
+            </p:seq>
+          </p:childTnLst>
+        </p:cTn>
       </p:par>
     </p:tnLst>
   </p:timing>
@@ -7550,7 +10336,518 @@
   <p:timing>
     <p:tnLst>
       <p:par>
-        <p:cTn id="1" dur="indefinite" restart="never" nodeType="tmRoot"/>
+        <p:cTn id="1" dur="indefinite" restart="never" nodeType="tmRoot">
+          <p:childTnLst>
+            <p:seq concurrent="1" nextAc="seek">
+              <p:cTn id="2" dur="indefinite" nodeType="mainSeq">
+                <p:childTnLst>
+                  <p:par>
+                    <p:cTn id="3" fill="hold">
+                      <p:stCondLst>
+                        <p:cond delay="indefinite"/>
+                      </p:stCondLst>
+                      <p:childTnLst>
+                        <p:par>
+                          <p:cTn id="4" fill="hold">
+                            <p:stCondLst>
+                              <p:cond delay="0"/>
+                            </p:stCondLst>
+                            <p:childTnLst>
+                              <p:par>
+                                <p:cTn id="5" presetID="10" presetClass="entr" presetSubtype="0" fill="hold" nodeType="clickEffect">
+                                  <p:stCondLst>
+                                    <p:cond delay="0"/>
+                                  </p:stCondLst>
+                                  <p:childTnLst>
+                                    <p:set>
+                                      <p:cBhvr>
+                                        <p:cTn id="6" dur="1" fill="hold">
+                                          <p:stCondLst>
+                                            <p:cond delay="0"/>
+                                          </p:stCondLst>
+                                        </p:cTn>
+                                        <p:tgtEl>
+                                          <p:spTgt spid="2">
+                                            <p:txEl>
+                                              <p:pRg st="0" end="0"/>
+                                            </p:txEl>
+                                          </p:spTgt>
+                                        </p:tgtEl>
+                                        <p:attrNameLst>
+                                          <p:attrName>style.visibility</p:attrName>
+                                        </p:attrNameLst>
+                                      </p:cBhvr>
+                                      <p:to>
+                                        <p:strVal val="visible"/>
+                                      </p:to>
+                                    </p:set>
+                                    <p:animEffect transition="in" filter="fade">
+                                      <p:cBhvr>
+                                        <p:cTn id="7" dur="500"/>
+                                        <p:tgtEl>
+                                          <p:spTgt spid="2">
+                                            <p:txEl>
+                                              <p:pRg st="0" end="0"/>
+                                            </p:txEl>
+                                          </p:spTgt>
+                                        </p:tgtEl>
+                                      </p:cBhvr>
+                                    </p:animEffect>
+                                  </p:childTnLst>
+                                </p:cTn>
+                              </p:par>
+                            </p:childTnLst>
+                          </p:cTn>
+                        </p:par>
+                      </p:childTnLst>
+                    </p:cTn>
+                  </p:par>
+                  <p:par>
+                    <p:cTn id="8" fill="hold">
+                      <p:stCondLst>
+                        <p:cond delay="indefinite"/>
+                      </p:stCondLst>
+                      <p:childTnLst>
+                        <p:par>
+                          <p:cTn id="9" fill="hold">
+                            <p:stCondLst>
+                              <p:cond delay="0"/>
+                            </p:stCondLst>
+                            <p:childTnLst>
+                              <p:par>
+                                <p:cTn id="10" presetID="10" presetClass="entr" presetSubtype="0" fill="hold" nodeType="clickEffect">
+                                  <p:stCondLst>
+                                    <p:cond delay="0"/>
+                                  </p:stCondLst>
+                                  <p:childTnLst>
+                                    <p:set>
+                                      <p:cBhvr>
+                                        <p:cTn id="11" dur="1" fill="hold">
+                                          <p:stCondLst>
+                                            <p:cond delay="0"/>
+                                          </p:stCondLst>
+                                        </p:cTn>
+                                        <p:tgtEl>
+                                          <p:spTgt spid="2">
+                                            <p:txEl>
+                                              <p:pRg st="1" end="1"/>
+                                            </p:txEl>
+                                          </p:spTgt>
+                                        </p:tgtEl>
+                                        <p:attrNameLst>
+                                          <p:attrName>style.visibility</p:attrName>
+                                        </p:attrNameLst>
+                                      </p:cBhvr>
+                                      <p:to>
+                                        <p:strVal val="visible"/>
+                                      </p:to>
+                                    </p:set>
+                                    <p:animEffect transition="in" filter="fade">
+                                      <p:cBhvr>
+                                        <p:cTn id="12" dur="500"/>
+                                        <p:tgtEl>
+                                          <p:spTgt spid="2">
+                                            <p:txEl>
+                                              <p:pRg st="1" end="1"/>
+                                            </p:txEl>
+                                          </p:spTgt>
+                                        </p:tgtEl>
+                                      </p:cBhvr>
+                                    </p:animEffect>
+                                  </p:childTnLst>
+                                </p:cTn>
+                              </p:par>
+                            </p:childTnLst>
+                          </p:cTn>
+                        </p:par>
+                      </p:childTnLst>
+                    </p:cTn>
+                  </p:par>
+                  <p:par>
+                    <p:cTn id="13" fill="hold">
+                      <p:stCondLst>
+                        <p:cond delay="indefinite"/>
+                      </p:stCondLst>
+                      <p:childTnLst>
+                        <p:par>
+                          <p:cTn id="14" fill="hold">
+                            <p:stCondLst>
+                              <p:cond delay="0"/>
+                            </p:stCondLst>
+                            <p:childTnLst>
+                              <p:par>
+                                <p:cTn id="15" presetID="10" presetClass="entr" presetSubtype="0" fill="hold" nodeType="clickEffect">
+                                  <p:stCondLst>
+                                    <p:cond delay="0"/>
+                                  </p:stCondLst>
+                                  <p:childTnLst>
+                                    <p:set>
+                                      <p:cBhvr>
+                                        <p:cTn id="16" dur="1" fill="hold">
+                                          <p:stCondLst>
+                                            <p:cond delay="0"/>
+                                          </p:stCondLst>
+                                        </p:cTn>
+                                        <p:tgtEl>
+                                          <p:spTgt spid="2">
+                                            <p:txEl>
+                                              <p:pRg st="2" end="2"/>
+                                            </p:txEl>
+                                          </p:spTgt>
+                                        </p:tgtEl>
+                                        <p:attrNameLst>
+                                          <p:attrName>style.visibility</p:attrName>
+                                        </p:attrNameLst>
+                                      </p:cBhvr>
+                                      <p:to>
+                                        <p:strVal val="visible"/>
+                                      </p:to>
+                                    </p:set>
+                                    <p:animEffect transition="in" filter="fade">
+                                      <p:cBhvr>
+                                        <p:cTn id="17" dur="500"/>
+                                        <p:tgtEl>
+                                          <p:spTgt spid="2">
+                                            <p:txEl>
+                                              <p:pRg st="2" end="2"/>
+                                            </p:txEl>
+                                          </p:spTgt>
+                                        </p:tgtEl>
+                                      </p:cBhvr>
+                                    </p:animEffect>
+                                  </p:childTnLst>
+                                </p:cTn>
+                              </p:par>
+                            </p:childTnLst>
+                          </p:cTn>
+                        </p:par>
+                      </p:childTnLst>
+                    </p:cTn>
+                  </p:par>
+                  <p:par>
+                    <p:cTn id="18" fill="hold">
+                      <p:stCondLst>
+                        <p:cond delay="indefinite"/>
+                      </p:stCondLst>
+                      <p:childTnLst>
+                        <p:par>
+                          <p:cTn id="19" fill="hold">
+                            <p:stCondLst>
+                              <p:cond delay="0"/>
+                            </p:stCondLst>
+                            <p:childTnLst>
+                              <p:par>
+                                <p:cTn id="20" presetID="10" presetClass="entr" presetSubtype="0" fill="hold" nodeType="clickEffect">
+                                  <p:stCondLst>
+                                    <p:cond delay="0"/>
+                                  </p:stCondLst>
+                                  <p:childTnLst>
+                                    <p:set>
+                                      <p:cBhvr>
+                                        <p:cTn id="21" dur="1" fill="hold">
+                                          <p:stCondLst>
+                                            <p:cond delay="0"/>
+                                          </p:stCondLst>
+                                        </p:cTn>
+                                        <p:tgtEl>
+                                          <p:spTgt spid="2">
+                                            <p:txEl>
+                                              <p:pRg st="3" end="3"/>
+                                            </p:txEl>
+                                          </p:spTgt>
+                                        </p:tgtEl>
+                                        <p:attrNameLst>
+                                          <p:attrName>style.visibility</p:attrName>
+                                        </p:attrNameLst>
+                                      </p:cBhvr>
+                                      <p:to>
+                                        <p:strVal val="visible"/>
+                                      </p:to>
+                                    </p:set>
+                                    <p:animEffect transition="in" filter="fade">
+                                      <p:cBhvr>
+                                        <p:cTn id="22" dur="500"/>
+                                        <p:tgtEl>
+                                          <p:spTgt spid="2">
+                                            <p:txEl>
+                                              <p:pRg st="3" end="3"/>
+                                            </p:txEl>
+                                          </p:spTgt>
+                                        </p:tgtEl>
+                                      </p:cBhvr>
+                                    </p:animEffect>
+                                  </p:childTnLst>
+                                </p:cTn>
+                              </p:par>
+                            </p:childTnLst>
+                          </p:cTn>
+                        </p:par>
+                      </p:childTnLst>
+                    </p:cTn>
+                  </p:par>
+                  <p:par>
+                    <p:cTn id="23" fill="hold">
+                      <p:stCondLst>
+                        <p:cond delay="indefinite"/>
+                      </p:stCondLst>
+                      <p:childTnLst>
+                        <p:par>
+                          <p:cTn id="24" fill="hold">
+                            <p:stCondLst>
+                              <p:cond delay="0"/>
+                            </p:stCondLst>
+                            <p:childTnLst>
+                              <p:par>
+                                <p:cTn id="25" presetID="10" presetClass="entr" presetSubtype="0" fill="hold" nodeType="clickEffect">
+                                  <p:stCondLst>
+                                    <p:cond delay="0"/>
+                                  </p:stCondLst>
+                                  <p:childTnLst>
+                                    <p:set>
+                                      <p:cBhvr>
+                                        <p:cTn id="26" dur="1" fill="hold">
+                                          <p:stCondLst>
+                                            <p:cond delay="0"/>
+                                          </p:stCondLst>
+                                        </p:cTn>
+                                        <p:tgtEl>
+                                          <p:spTgt spid="2">
+                                            <p:txEl>
+                                              <p:pRg st="4" end="4"/>
+                                            </p:txEl>
+                                          </p:spTgt>
+                                        </p:tgtEl>
+                                        <p:attrNameLst>
+                                          <p:attrName>style.visibility</p:attrName>
+                                        </p:attrNameLst>
+                                      </p:cBhvr>
+                                      <p:to>
+                                        <p:strVal val="visible"/>
+                                      </p:to>
+                                    </p:set>
+                                    <p:animEffect transition="in" filter="fade">
+                                      <p:cBhvr>
+                                        <p:cTn id="27" dur="500"/>
+                                        <p:tgtEl>
+                                          <p:spTgt spid="2">
+                                            <p:txEl>
+                                              <p:pRg st="4" end="4"/>
+                                            </p:txEl>
+                                          </p:spTgt>
+                                        </p:tgtEl>
+                                      </p:cBhvr>
+                                    </p:animEffect>
+                                  </p:childTnLst>
+                                </p:cTn>
+                              </p:par>
+                            </p:childTnLst>
+                          </p:cTn>
+                        </p:par>
+                      </p:childTnLst>
+                    </p:cTn>
+                  </p:par>
+                  <p:par>
+                    <p:cTn id="28" fill="hold">
+                      <p:stCondLst>
+                        <p:cond delay="indefinite"/>
+                      </p:stCondLst>
+                      <p:childTnLst>
+                        <p:par>
+                          <p:cTn id="29" fill="hold">
+                            <p:stCondLst>
+                              <p:cond delay="0"/>
+                            </p:stCondLst>
+                            <p:childTnLst>
+                              <p:par>
+                                <p:cTn id="30" presetID="10" presetClass="entr" presetSubtype="0" fill="hold" nodeType="clickEffect">
+                                  <p:stCondLst>
+                                    <p:cond delay="0"/>
+                                  </p:stCondLst>
+                                  <p:childTnLst>
+                                    <p:set>
+                                      <p:cBhvr>
+                                        <p:cTn id="31" dur="1" fill="hold">
+                                          <p:stCondLst>
+                                            <p:cond delay="0"/>
+                                          </p:stCondLst>
+                                        </p:cTn>
+                                        <p:tgtEl>
+                                          <p:spTgt spid="2">
+                                            <p:txEl>
+                                              <p:pRg st="5" end="5"/>
+                                            </p:txEl>
+                                          </p:spTgt>
+                                        </p:tgtEl>
+                                        <p:attrNameLst>
+                                          <p:attrName>style.visibility</p:attrName>
+                                        </p:attrNameLst>
+                                      </p:cBhvr>
+                                      <p:to>
+                                        <p:strVal val="visible"/>
+                                      </p:to>
+                                    </p:set>
+                                    <p:animEffect transition="in" filter="fade">
+                                      <p:cBhvr>
+                                        <p:cTn id="32" dur="500"/>
+                                        <p:tgtEl>
+                                          <p:spTgt spid="2">
+                                            <p:txEl>
+                                              <p:pRg st="5" end="5"/>
+                                            </p:txEl>
+                                          </p:spTgt>
+                                        </p:tgtEl>
+                                      </p:cBhvr>
+                                    </p:animEffect>
+                                  </p:childTnLst>
+                                </p:cTn>
+                              </p:par>
+                            </p:childTnLst>
+                          </p:cTn>
+                        </p:par>
+                      </p:childTnLst>
+                    </p:cTn>
+                  </p:par>
+                  <p:par>
+                    <p:cTn id="33" fill="hold">
+                      <p:stCondLst>
+                        <p:cond delay="indefinite"/>
+                      </p:stCondLst>
+                      <p:childTnLst>
+                        <p:par>
+                          <p:cTn id="34" fill="hold">
+                            <p:stCondLst>
+                              <p:cond delay="0"/>
+                            </p:stCondLst>
+                            <p:childTnLst>
+                              <p:par>
+                                <p:cTn id="35" presetID="10" presetClass="entr" presetSubtype="0" fill="hold" nodeType="clickEffect">
+                                  <p:stCondLst>
+                                    <p:cond delay="0"/>
+                                  </p:stCondLst>
+                                  <p:childTnLst>
+                                    <p:set>
+                                      <p:cBhvr>
+                                        <p:cTn id="36" dur="1" fill="hold">
+                                          <p:stCondLst>
+                                            <p:cond delay="0"/>
+                                          </p:stCondLst>
+                                        </p:cTn>
+                                        <p:tgtEl>
+                                          <p:spTgt spid="2">
+                                            <p:txEl>
+                                              <p:pRg st="6" end="6"/>
+                                            </p:txEl>
+                                          </p:spTgt>
+                                        </p:tgtEl>
+                                        <p:attrNameLst>
+                                          <p:attrName>style.visibility</p:attrName>
+                                        </p:attrNameLst>
+                                      </p:cBhvr>
+                                      <p:to>
+                                        <p:strVal val="visible"/>
+                                      </p:to>
+                                    </p:set>
+                                    <p:animEffect transition="in" filter="fade">
+                                      <p:cBhvr>
+                                        <p:cTn id="37" dur="500"/>
+                                        <p:tgtEl>
+                                          <p:spTgt spid="2">
+                                            <p:txEl>
+                                              <p:pRg st="6" end="6"/>
+                                            </p:txEl>
+                                          </p:spTgt>
+                                        </p:tgtEl>
+                                      </p:cBhvr>
+                                    </p:animEffect>
+                                  </p:childTnLst>
+                                </p:cTn>
+                              </p:par>
+                            </p:childTnLst>
+                          </p:cTn>
+                        </p:par>
+                      </p:childTnLst>
+                    </p:cTn>
+                  </p:par>
+                  <p:par>
+                    <p:cTn id="38" fill="hold">
+                      <p:stCondLst>
+                        <p:cond delay="indefinite"/>
+                      </p:stCondLst>
+                      <p:childTnLst>
+                        <p:par>
+                          <p:cTn id="39" fill="hold">
+                            <p:stCondLst>
+                              <p:cond delay="0"/>
+                            </p:stCondLst>
+                            <p:childTnLst>
+                              <p:par>
+                                <p:cTn id="40" presetID="10" presetClass="entr" presetSubtype="0" fill="hold" nodeType="clickEffect">
+                                  <p:stCondLst>
+                                    <p:cond delay="0"/>
+                                  </p:stCondLst>
+                                  <p:childTnLst>
+                                    <p:set>
+                                      <p:cBhvr>
+                                        <p:cTn id="41" dur="1" fill="hold">
+                                          <p:stCondLst>
+                                            <p:cond delay="0"/>
+                                          </p:stCondLst>
+                                        </p:cTn>
+                                        <p:tgtEl>
+                                          <p:spTgt spid="2">
+                                            <p:txEl>
+                                              <p:pRg st="7" end="7"/>
+                                            </p:txEl>
+                                          </p:spTgt>
+                                        </p:tgtEl>
+                                        <p:attrNameLst>
+                                          <p:attrName>style.visibility</p:attrName>
+                                        </p:attrNameLst>
+                                      </p:cBhvr>
+                                      <p:to>
+                                        <p:strVal val="visible"/>
+                                      </p:to>
+                                    </p:set>
+                                    <p:animEffect transition="in" filter="fade">
+                                      <p:cBhvr>
+                                        <p:cTn id="42" dur="500"/>
+                                        <p:tgtEl>
+                                          <p:spTgt spid="2">
+                                            <p:txEl>
+                                              <p:pRg st="7" end="7"/>
+                                            </p:txEl>
+                                          </p:spTgt>
+                                        </p:tgtEl>
+                                      </p:cBhvr>
+                                    </p:animEffect>
+                                  </p:childTnLst>
+                                </p:cTn>
+                              </p:par>
+                            </p:childTnLst>
+                          </p:cTn>
+                        </p:par>
+                      </p:childTnLst>
+                    </p:cTn>
+                  </p:par>
+                </p:childTnLst>
+              </p:cTn>
+              <p:prevCondLst>
+                <p:cond evt="onPrev" delay="0">
+                  <p:tgtEl>
+                    <p:sldTgt/>
+                  </p:tgtEl>
+                </p:cond>
+              </p:prevCondLst>
+              <p:nextCondLst>
+                <p:cond evt="onNext" delay="0">
+                  <p:tgtEl>
+                    <p:sldTgt/>
+                  </p:tgtEl>
+                </p:cond>
+              </p:nextCondLst>
+            </p:seq>
+          </p:childTnLst>
+        </p:cTn>
       </p:par>
     </p:tnLst>
   </p:timing>
@@ -7710,7 +11007,136 @@
   <p:timing>
     <p:tnLst>
       <p:par>
-        <p:cTn id="1" dur="indefinite" restart="never" nodeType="tmRoot"/>
+        <p:cTn id="1" dur="indefinite" restart="never" nodeType="tmRoot">
+          <p:childTnLst>
+            <p:seq concurrent="1" nextAc="seek">
+              <p:cTn id="2" dur="indefinite" nodeType="mainSeq">
+                <p:childTnLst>
+                  <p:par>
+                    <p:cTn id="3" fill="hold">
+                      <p:stCondLst>
+                        <p:cond delay="indefinite"/>
+                      </p:stCondLst>
+                      <p:childTnLst>
+                        <p:par>
+                          <p:cTn id="4" fill="hold">
+                            <p:stCondLst>
+                              <p:cond delay="0"/>
+                            </p:stCondLst>
+                            <p:childTnLst>
+                              <p:par>
+                                <p:cTn id="5" presetID="10" presetClass="entr" presetSubtype="0" fill="hold" nodeType="clickEffect">
+                                  <p:stCondLst>
+                                    <p:cond delay="0"/>
+                                  </p:stCondLst>
+                                  <p:childTnLst>
+                                    <p:set>
+                                      <p:cBhvr>
+                                        <p:cTn id="6" dur="1" fill="hold">
+                                          <p:stCondLst>
+                                            <p:cond delay="0"/>
+                                          </p:stCondLst>
+                                        </p:cTn>
+                                        <p:tgtEl>
+                                          <p:spTgt spid="1027"/>
+                                        </p:tgtEl>
+                                        <p:attrNameLst>
+                                          <p:attrName>style.visibility</p:attrName>
+                                        </p:attrNameLst>
+                                      </p:cBhvr>
+                                      <p:to>
+                                        <p:strVal val="visible"/>
+                                      </p:to>
+                                    </p:set>
+                                    <p:animEffect transition="in" filter="fade">
+                                      <p:cBhvr>
+                                        <p:cTn id="7" dur="500"/>
+                                        <p:tgtEl>
+                                          <p:spTgt spid="1027"/>
+                                        </p:tgtEl>
+                                      </p:cBhvr>
+                                    </p:animEffect>
+                                  </p:childTnLst>
+                                </p:cTn>
+                              </p:par>
+                            </p:childTnLst>
+                          </p:cTn>
+                        </p:par>
+                      </p:childTnLst>
+                    </p:cTn>
+                  </p:par>
+                  <p:par>
+                    <p:cTn id="8" fill="hold">
+                      <p:stCondLst>
+                        <p:cond delay="indefinite"/>
+                      </p:stCondLst>
+                      <p:childTnLst>
+                        <p:par>
+                          <p:cTn id="9" fill="hold">
+                            <p:stCondLst>
+                              <p:cond delay="0"/>
+                            </p:stCondLst>
+                            <p:childTnLst>
+                              <p:par>
+                                <p:cTn id="10" presetID="10" presetClass="entr" presetSubtype="0" fill="hold" nodeType="clickEffect">
+                                  <p:stCondLst>
+                                    <p:cond delay="0"/>
+                                  </p:stCondLst>
+                                  <p:childTnLst>
+                                    <p:set>
+                                      <p:cBhvr>
+                                        <p:cTn id="11" dur="1" fill="hold">
+                                          <p:stCondLst>
+                                            <p:cond delay="0"/>
+                                          </p:stCondLst>
+                                        </p:cTn>
+                                        <p:tgtEl>
+                                          <p:spTgt spid="1026"/>
+                                        </p:tgtEl>
+                                        <p:attrNameLst>
+                                          <p:attrName>style.visibility</p:attrName>
+                                        </p:attrNameLst>
+                                      </p:cBhvr>
+                                      <p:to>
+                                        <p:strVal val="visible"/>
+                                      </p:to>
+                                    </p:set>
+                                    <p:animEffect transition="in" filter="fade">
+                                      <p:cBhvr>
+                                        <p:cTn id="12" dur="500"/>
+                                        <p:tgtEl>
+                                          <p:spTgt spid="1026"/>
+                                        </p:tgtEl>
+                                      </p:cBhvr>
+                                    </p:animEffect>
+                                  </p:childTnLst>
+                                </p:cTn>
+                              </p:par>
+                            </p:childTnLst>
+                          </p:cTn>
+                        </p:par>
+                      </p:childTnLst>
+                    </p:cTn>
+                  </p:par>
+                </p:childTnLst>
+              </p:cTn>
+              <p:prevCondLst>
+                <p:cond evt="onPrev" delay="0">
+                  <p:tgtEl>
+                    <p:sldTgt/>
+                  </p:tgtEl>
+                </p:cond>
+              </p:prevCondLst>
+              <p:nextCondLst>
+                <p:cond evt="onNext" delay="0">
+                  <p:tgtEl>
+                    <p:sldTgt/>
+                  </p:tgtEl>
+                </p:cond>
+              </p:nextCondLst>
+            </p:seq>
+          </p:childTnLst>
+        </p:cTn>
       </p:par>
     </p:tnLst>
   </p:timing>
@@ -7807,7 +11233,152 @@
   <p:timing>
     <p:tnLst>
       <p:par>
-        <p:cTn id="1" dur="indefinite" restart="never" nodeType="tmRoot"/>
+        <p:cTn id="1" dur="indefinite" restart="never" nodeType="tmRoot">
+          <p:childTnLst>
+            <p:seq concurrent="1" nextAc="seek">
+              <p:cTn id="2" dur="indefinite" nodeType="mainSeq">
+                <p:childTnLst>
+                  <p:par>
+                    <p:cTn id="3" fill="hold">
+                      <p:stCondLst>
+                        <p:cond delay="indefinite"/>
+                      </p:stCondLst>
+                      <p:childTnLst>
+                        <p:par>
+                          <p:cTn id="4" fill="hold">
+                            <p:stCondLst>
+                              <p:cond delay="0"/>
+                            </p:stCondLst>
+                            <p:childTnLst>
+                              <p:par>
+                                <p:cTn id="5" presetID="10" presetClass="entr" presetSubtype="0" fill="hold" nodeType="clickEffect">
+                                  <p:stCondLst>
+                                    <p:cond delay="0"/>
+                                  </p:stCondLst>
+                                  <p:childTnLst>
+                                    <p:set>
+                                      <p:cBhvr>
+                                        <p:cTn id="6" dur="1" fill="hold">
+                                          <p:stCondLst>
+                                            <p:cond delay="0"/>
+                                          </p:stCondLst>
+                                        </p:cTn>
+                                        <p:tgtEl>
+                                          <p:spTgt spid="2">
+                                            <p:txEl>
+                                              <p:pRg st="0" end="0"/>
+                                            </p:txEl>
+                                          </p:spTgt>
+                                        </p:tgtEl>
+                                        <p:attrNameLst>
+                                          <p:attrName>style.visibility</p:attrName>
+                                        </p:attrNameLst>
+                                      </p:cBhvr>
+                                      <p:to>
+                                        <p:strVal val="visible"/>
+                                      </p:to>
+                                    </p:set>
+                                    <p:animEffect transition="in" filter="fade">
+                                      <p:cBhvr>
+                                        <p:cTn id="7" dur="500"/>
+                                        <p:tgtEl>
+                                          <p:spTgt spid="2">
+                                            <p:txEl>
+                                              <p:pRg st="0" end="0"/>
+                                            </p:txEl>
+                                          </p:spTgt>
+                                        </p:tgtEl>
+                                      </p:cBhvr>
+                                    </p:animEffect>
+                                  </p:childTnLst>
+                                </p:cTn>
+                              </p:par>
+                            </p:childTnLst>
+                          </p:cTn>
+                        </p:par>
+                      </p:childTnLst>
+                    </p:cTn>
+                  </p:par>
+                  <p:par>
+                    <p:cTn id="8" fill="hold">
+                      <p:stCondLst>
+                        <p:cond delay="indefinite"/>
+                      </p:stCondLst>
+                      <p:childTnLst>
+                        <p:par>
+                          <p:cTn id="9" fill="hold">
+                            <p:stCondLst>
+                              <p:cond delay="0"/>
+                            </p:stCondLst>
+                            <p:childTnLst>
+                              <p:par>
+                                <p:cTn id="10" presetID="10" presetClass="entr" presetSubtype="0" fill="hold" nodeType="clickEffect">
+                                  <p:stCondLst>
+                                    <p:cond delay="0"/>
+                                  </p:stCondLst>
+                                  <p:childTnLst>
+                                    <p:set>
+                                      <p:cBhvr>
+                                        <p:cTn id="11" dur="1" fill="hold">
+                                          <p:stCondLst>
+                                            <p:cond delay="0"/>
+                                          </p:stCondLst>
+                                        </p:cTn>
+                                        <p:tgtEl>
+                                          <p:spTgt spid="2">
+                                            <p:txEl>
+                                              <p:pRg st="2" end="2"/>
+                                            </p:txEl>
+                                          </p:spTgt>
+                                        </p:tgtEl>
+                                        <p:attrNameLst>
+                                          <p:attrName>style.visibility</p:attrName>
+                                        </p:attrNameLst>
+                                      </p:cBhvr>
+                                      <p:to>
+                                        <p:strVal val="visible"/>
+                                      </p:to>
+                                    </p:set>
+                                    <p:animEffect transition="in" filter="fade">
+                                      <p:cBhvr>
+                                        <p:cTn id="12" dur="500"/>
+                                        <p:tgtEl>
+                                          <p:spTgt spid="2">
+                                            <p:txEl>
+                                              <p:pRg st="2" end="2"/>
+                                            </p:txEl>
+                                          </p:spTgt>
+                                        </p:tgtEl>
+                                      </p:cBhvr>
+                                    </p:animEffect>
+                                  </p:childTnLst>
+                                </p:cTn>
+                              </p:par>
+                            </p:childTnLst>
+                          </p:cTn>
+                        </p:par>
+                      </p:childTnLst>
+                    </p:cTn>
+                  </p:par>
+                </p:childTnLst>
+              </p:cTn>
+              <p:prevCondLst>
+                <p:cond evt="onPrev" delay="0">
+                  <p:tgtEl>
+                    <p:sldTgt/>
+                  </p:tgtEl>
+                </p:cond>
+              </p:prevCondLst>
+              <p:nextCondLst>
+                <p:cond evt="onNext" delay="0">
+                  <p:tgtEl>
+                    <p:sldTgt/>
+                  </p:tgtEl>
+                </p:cond>
+              </p:nextCondLst>
+            </p:seq>
+          </p:childTnLst>
+        </p:cTn>
       </p:par>
     </p:tnLst>
   </p:timing>
@@ -8018,7 +11589,334 @@
   <p:timing>
     <p:tnLst>
       <p:par>
-        <p:cTn id="1" dur="indefinite" restart="never" nodeType="tmRoot"/>
+        <p:cTn id="1" dur="indefinite" restart="never" nodeType="tmRoot">
+          <p:childTnLst>
+            <p:seq concurrent="1" nextAc="seek">
+              <p:cTn id="2" dur="indefinite" nodeType="mainSeq">
+                <p:childTnLst>
+                  <p:par>
+                    <p:cTn id="3" fill="hold">
+                      <p:stCondLst>
+                        <p:cond delay="indefinite"/>
+                      </p:stCondLst>
+                      <p:childTnLst>
+                        <p:par>
+                          <p:cTn id="4" fill="hold">
+                            <p:stCondLst>
+                              <p:cond delay="0"/>
+                            </p:stCondLst>
+                            <p:childTnLst>
+                              <p:par>
+                                <p:cTn id="5" presetID="10" presetClass="entr" presetSubtype="0" fill="hold" nodeType="clickEffect">
+                                  <p:stCondLst>
+                                    <p:cond delay="0"/>
+                                  </p:stCondLst>
+                                  <p:childTnLst>
+                                    <p:set>
+                                      <p:cBhvr>
+                                        <p:cTn id="6" dur="1" fill="hold">
+                                          <p:stCondLst>
+                                            <p:cond delay="0"/>
+                                          </p:stCondLst>
+                                        </p:cTn>
+                                        <p:tgtEl>
+                                          <p:spTgt spid="2">
+                                            <p:txEl>
+                                              <p:pRg st="0" end="0"/>
+                                            </p:txEl>
+                                          </p:spTgt>
+                                        </p:tgtEl>
+                                        <p:attrNameLst>
+                                          <p:attrName>style.visibility</p:attrName>
+                                        </p:attrNameLst>
+                                      </p:cBhvr>
+                                      <p:to>
+                                        <p:strVal val="visible"/>
+                                      </p:to>
+                                    </p:set>
+                                    <p:animEffect transition="in" filter="fade">
+                                      <p:cBhvr>
+                                        <p:cTn id="7" dur="500"/>
+                                        <p:tgtEl>
+                                          <p:spTgt spid="2">
+                                            <p:txEl>
+                                              <p:pRg st="0" end="0"/>
+                                            </p:txEl>
+                                          </p:spTgt>
+                                        </p:tgtEl>
+                                      </p:cBhvr>
+                                    </p:animEffect>
+                                  </p:childTnLst>
+                                </p:cTn>
+                              </p:par>
+                            </p:childTnLst>
+                          </p:cTn>
+                        </p:par>
+                      </p:childTnLst>
+                    </p:cTn>
+                  </p:par>
+                  <p:par>
+                    <p:cTn id="8" fill="hold">
+                      <p:stCondLst>
+                        <p:cond delay="indefinite"/>
+                      </p:stCondLst>
+                      <p:childTnLst>
+                        <p:par>
+                          <p:cTn id="9" fill="hold">
+                            <p:stCondLst>
+                              <p:cond delay="0"/>
+                            </p:stCondLst>
+                            <p:childTnLst>
+                              <p:par>
+                                <p:cTn id="10" presetID="10" presetClass="entr" presetSubtype="0" fill="hold" nodeType="clickEffect">
+                                  <p:stCondLst>
+                                    <p:cond delay="0"/>
+                                  </p:stCondLst>
+                                  <p:childTnLst>
+                                    <p:set>
+                                      <p:cBhvr>
+                                        <p:cTn id="11" dur="1" fill="hold">
+                                          <p:stCondLst>
+                                            <p:cond delay="0"/>
+                                          </p:stCondLst>
+                                        </p:cTn>
+                                        <p:tgtEl>
+                                          <p:spTgt spid="2">
+                                            <p:txEl>
+                                              <p:pRg st="1" end="1"/>
+                                            </p:txEl>
+                                          </p:spTgt>
+                                        </p:tgtEl>
+                                        <p:attrNameLst>
+                                          <p:attrName>style.visibility</p:attrName>
+                                        </p:attrNameLst>
+                                      </p:cBhvr>
+                                      <p:to>
+                                        <p:strVal val="visible"/>
+                                      </p:to>
+                                    </p:set>
+                                    <p:animEffect transition="in" filter="fade">
+                                      <p:cBhvr>
+                                        <p:cTn id="12" dur="500"/>
+                                        <p:tgtEl>
+                                          <p:spTgt spid="2">
+                                            <p:txEl>
+                                              <p:pRg st="1" end="1"/>
+                                            </p:txEl>
+                                          </p:spTgt>
+                                        </p:tgtEl>
+                                      </p:cBhvr>
+                                    </p:animEffect>
+                                  </p:childTnLst>
+                                </p:cTn>
+                              </p:par>
+                              <p:par>
+                                <p:cTn id="13" presetID="10" presetClass="entr" presetSubtype="0" fill="hold" nodeType="withEffect">
+                                  <p:stCondLst>
+                                    <p:cond delay="0"/>
+                                  </p:stCondLst>
+                                  <p:childTnLst>
+                                    <p:set>
+                                      <p:cBhvr>
+                                        <p:cTn id="14" dur="1" fill="hold">
+                                          <p:stCondLst>
+                                            <p:cond delay="0"/>
+                                          </p:stCondLst>
+                                        </p:cTn>
+                                        <p:tgtEl>
+                                          <p:spTgt spid="2050"/>
+                                        </p:tgtEl>
+                                        <p:attrNameLst>
+                                          <p:attrName>style.visibility</p:attrName>
+                                        </p:attrNameLst>
+                                      </p:cBhvr>
+                                      <p:to>
+                                        <p:strVal val="visible"/>
+                                      </p:to>
+                                    </p:set>
+                                    <p:animEffect transition="in" filter="fade">
+                                      <p:cBhvr>
+                                        <p:cTn id="15" dur="500"/>
+                                        <p:tgtEl>
+                                          <p:spTgt spid="2050"/>
+                                        </p:tgtEl>
+                                      </p:cBhvr>
+                                    </p:animEffect>
+                                  </p:childTnLst>
+                                </p:cTn>
+                              </p:par>
+                            </p:childTnLst>
+                          </p:cTn>
+                        </p:par>
+                      </p:childTnLst>
+                    </p:cTn>
+                  </p:par>
+                  <p:par>
+                    <p:cTn id="16" fill="hold">
+                      <p:stCondLst>
+                        <p:cond delay="indefinite"/>
+                      </p:stCondLst>
+                      <p:childTnLst>
+                        <p:par>
+                          <p:cTn id="17" fill="hold">
+                            <p:stCondLst>
+                              <p:cond delay="0"/>
+                            </p:stCondLst>
+                            <p:childTnLst>
+                              <p:par>
+                                <p:cTn id="18" presetID="10" presetClass="entr" presetSubtype="0" fill="hold" nodeType="clickEffect">
+                                  <p:stCondLst>
+                                    <p:cond delay="0"/>
+                                  </p:stCondLst>
+                                  <p:childTnLst>
+                                    <p:set>
+                                      <p:cBhvr>
+                                        <p:cTn id="19" dur="1" fill="hold">
+                                          <p:stCondLst>
+                                            <p:cond delay="0"/>
+                                          </p:stCondLst>
+                                        </p:cTn>
+                                        <p:tgtEl>
+                                          <p:spTgt spid="2">
+                                            <p:txEl>
+                                              <p:pRg st="8" end="8"/>
+                                            </p:txEl>
+                                          </p:spTgt>
+                                        </p:tgtEl>
+                                        <p:attrNameLst>
+                                          <p:attrName>style.visibility</p:attrName>
+                                        </p:attrNameLst>
+                                      </p:cBhvr>
+                                      <p:to>
+                                        <p:strVal val="visible"/>
+                                      </p:to>
+                                    </p:set>
+                                    <p:animEffect transition="in" filter="fade">
+                                      <p:cBhvr>
+                                        <p:cTn id="20" dur="500"/>
+                                        <p:tgtEl>
+                                          <p:spTgt spid="2">
+                                            <p:txEl>
+                                              <p:pRg st="8" end="8"/>
+                                            </p:txEl>
+                                          </p:spTgt>
+                                        </p:tgtEl>
+                                      </p:cBhvr>
+                                    </p:animEffect>
+                                  </p:childTnLst>
+                                </p:cTn>
+                              </p:par>
+                              <p:par>
+                                <p:cTn id="21" presetID="10" presetClass="entr" presetSubtype="0" fill="hold" nodeType="withEffect">
+                                  <p:stCondLst>
+                                    <p:cond delay="0"/>
+                                  </p:stCondLst>
+                                  <p:childTnLst>
+                                    <p:set>
+                                      <p:cBhvr>
+                                        <p:cTn id="22" dur="1" fill="hold">
+                                          <p:stCondLst>
+                                            <p:cond delay="0"/>
+                                          </p:stCondLst>
+                                        </p:cTn>
+                                        <p:tgtEl>
+                                          <p:spTgt spid="2">
+                                            <p:txEl>
+                                              <p:pRg st="9" end="9"/>
+                                            </p:txEl>
+                                          </p:spTgt>
+                                        </p:tgtEl>
+                                        <p:attrNameLst>
+                                          <p:attrName>style.visibility</p:attrName>
+                                        </p:attrNameLst>
+                                      </p:cBhvr>
+                                      <p:to>
+                                        <p:strVal val="visible"/>
+                                      </p:to>
+                                    </p:set>
+                                    <p:animEffect transition="in" filter="fade">
+                                      <p:cBhvr>
+                                        <p:cTn id="23" dur="500"/>
+                                        <p:tgtEl>
+                                          <p:spTgt spid="2">
+                                            <p:txEl>
+                                              <p:pRg st="9" end="9"/>
+                                            </p:txEl>
+                                          </p:spTgt>
+                                        </p:tgtEl>
+                                      </p:cBhvr>
+                                    </p:animEffect>
+                                  </p:childTnLst>
+                                </p:cTn>
+                              </p:par>
+                              <p:par>
+                                <p:cTn id="24" presetID="10" presetClass="entr" presetSubtype="0" fill="hold" nodeType="withEffect">
+                                  <p:stCondLst>
+                                    <p:cond delay="0"/>
+                                  </p:stCondLst>
+                                  <p:childTnLst>
+                                    <p:set>
+                                      <p:cBhvr>
+                                        <p:cTn id="25" dur="1" fill="hold">
+                                          <p:stCondLst>
+                                            <p:cond delay="0"/>
+                                          </p:stCondLst>
+                                        </p:cTn>
+                                        <p:tgtEl>
+                                          <p:spTgt spid="2">
+                                            <p:txEl>
+                                              <p:pRg st="10" end="10"/>
+                                            </p:txEl>
+                                          </p:spTgt>
+                                        </p:tgtEl>
+                                        <p:attrNameLst>
+                                          <p:attrName>style.visibility</p:attrName>
+                                        </p:attrNameLst>
+                                      </p:cBhvr>
+                                      <p:to>
+                                        <p:strVal val="visible"/>
+                                      </p:to>
+                                    </p:set>
+                                    <p:animEffect transition="in" filter="fade">
+                                      <p:cBhvr>
+                                        <p:cTn id="26" dur="500"/>
+                                        <p:tgtEl>
+                                          <p:spTgt spid="2">
+                                            <p:txEl>
+                                              <p:pRg st="10" end="10"/>
+                                            </p:txEl>
+                                          </p:spTgt>
+                                        </p:tgtEl>
+                                      </p:cBhvr>
+                                    </p:animEffect>
+                                  </p:childTnLst>
+                                </p:cTn>
+                              </p:par>
+                            </p:childTnLst>
+                          </p:cTn>
+                        </p:par>
+                      </p:childTnLst>
+                    </p:cTn>
+                  </p:par>
+                </p:childTnLst>
+              </p:cTn>
+              <p:prevCondLst>
+                <p:cond evt="onPrev" delay="0">
+                  <p:tgtEl>
+                    <p:sldTgt/>
+                  </p:tgtEl>
+                </p:cond>
+              </p:prevCondLst>
+              <p:nextCondLst>
+                <p:cond evt="onNext" delay="0">
+                  <p:tgtEl>
+                    <p:sldTgt/>
+                  </p:tgtEl>
+                </p:cond>
+              </p:nextCondLst>
+            </p:seq>
+          </p:childTnLst>
+        </p:cTn>
       </p:par>
     </p:tnLst>
   </p:timing>
@@ -8244,7 +12142,514 @@
   <p:timing>
     <p:tnLst>
       <p:par>
-        <p:cTn id="1" dur="indefinite" restart="never" nodeType="tmRoot"/>
+        <p:cTn id="1" dur="indefinite" restart="never" nodeType="tmRoot">
+          <p:childTnLst>
+            <p:seq concurrent="1" nextAc="seek">
+              <p:cTn id="2" dur="indefinite" nodeType="mainSeq">
+                <p:childTnLst>
+                  <p:par>
+                    <p:cTn id="3" fill="hold">
+                      <p:stCondLst>
+                        <p:cond delay="indefinite"/>
+                      </p:stCondLst>
+                      <p:childTnLst>
+                        <p:par>
+                          <p:cTn id="4" fill="hold">
+                            <p:stCondLst>
+                              <p:cond delay="0"/>
+                            </p:stCondLst>
+                            <p:childTnLst>
+                              <p:par>
+                                <p:cTn id="5" presetID="10" presetClass="entr" presetSubtype="0" fill="hold" nodeType="clickEffect">
+                                  <p:stCondLst>
+                                    <p:cond delay="0"/>
+                                  </p:stCondLst>
+                                  <p:childTnLst>
+                                    <p:set>
+                                      <p:cBhvr>
+                                        <p:cTn id="6" dur="1" fill="hold">
+                                          <p:stCondLst>
+                                            <p:cond delay="0"/>
+                                          </p:stCondLst>
+                                        </p:cTn>
+                                        <p:tgtEl>
+                                          <p:spTgt spid="2">
+                                            <p:txEl>
+                                              <p:pRg st="1" end="1"/>
+                                            </p:txEl>
+                                          </p:spTgt>
+                                        </p:tgtEl>
+                                        <p:attrNameLst>
+                                          <p:attrName>style.visibility</p:attrName>
+                                        </p:attrNameLst>
+                                      </p:cBhvr>
+                                      <p:to>
+                                        <p:strVal val="visible"/>
+                                      </p:to>
+                                    </p:set>
+                                    <p:animEffect transition="in" filter="fade">
+                                      <p:cBhvr>
+                                        <p:cTn id="7" dur="500"/>
+                                        <p:tgtEl>
+                                          <p:spTgt spid="2">
+                                            <p:txEl>
+                                              <p:pRg st="1" end="1"/>
+                                            </p:txEl>
+                                          </p:spTgt>
+                                        </p:tgtEl>
+                                      </p:cBhvr>
+                                    </p:animEffect>
+                                  </p:childTnLst>
+                                </p:cTn>
+                              </p:par>
+                              <p:par>
+                                <p:cTn id="8" presetID="10" presetClass="entr" presetSubtype="0" fill="hold" nodeType="withEffect">
+                                  <p:stCondLst>
+                                    <p:cond delay="0"/>
+                                  </p:stCondLst>
+                                  <p:childTnLst>
+                                    <p:set>
+                                      <p:cBhvr>
+                                        <p:cTn id="9" dur="1" fill="hold">
+                                          <p:stCondLst>
+                                            <p:cond delay="0"/>
+                                          </p:stCondLst>
+                                        </p:cTn>
+                                        <p:tgtEl>
+                                          <p:spTgt spid="2">
+                                            <p:txEl>
+                                              <p:pRg st="2" end="2"/>
+                                            </p:txEl>
+                                          </p:spTgt>
+                                        </p:tgtEl>
+                                        <p:attrNameLst>
+                                          <p:attrName>style.visibility</p:attrName>
+                                        </p:attrNameLst>
+                                      </p:cBhvr>
+                                      <p:to>
+                                        <p:strVal val="visible"/>
+                                      </p:to>
+                                    </p:set>
+                                    <p:animEffect transition="in" filter="fade">
+                                      <p:cBhvr>
+                                        <p:cTn id="10" dur="500"/>
+                                        <p:tgtEl>
+                                          <p:spTgt spid="2">
+                                            <p:txEl>
+                                              <p:pRg st="2" end="2"/>
+                                            </p:txEl>
+                                          </p:spTgt>
+                                        </p:tgtEl>
+                                      </p:cBhvr>
+                                    </p:animEffect>
+                                  </p:childTnLst>
+                                </p:cTn>
+                              </p:par>
+                              <p:par>
+                                <p:cTn id="11" presetID="10" presetClass="entr" presetSubtype="0" fill="hold" nodeType="withEffect">
+                                  <p:stCondLst>
+                                    <p:cond delay="0"/>
+                                  </p:stCondLst>
+                                  <p:childTnLst>
+                                    <p:set>
+                                      <p:cBhvr>
+                                        <p:cTn id="12" dur="1" fill="hold">
+                                          <p:stCondLst>
+                                            <p:cond delay="0"/>
+                                          </p:stCondLst>
+                                        </p:cTn>
+                                        <p:tgtEl>
+                                          <p:spTgt spid="2">
+                                            <p:txEl>
+                                              <p:pRg st="3" end="3"/>
+                                            </p:txEl>
+                                          </p:spTgt>
+                                        </p:tgtEl>
+                                        <p:attrNameLst>
+                                          <p:attrName>style.visibility</p:attrName>
+                                        </p:attrNameLst>
+                                      </p:cBhvr>
+                                      <p:to>
+                                        <p:strVal val="visible"/>
+                                      </p:to>
+                                    </p:set>
+                                    <p:animEffect transition="in" filter="fade">
+                                      <p:cBhvr>
+                                        <p:cTn id="13" dur="500"/>
+                                        <p:tgtEl>
+                                          <p:spTgt spid="2">
+                                            <p:txEl>
+                                              <p:pRg st="3" end="3"/>
+                                            </p:txEl>
+                                          </p:spTgt>
+                                        </p:tgtEl>
+                                      </p:cBhvr>
+                                    </p:animEffect>
+                                  </p:childTnLst>
+                                </p:cTn>
+                              </p:par>
+                              <p:par>
+                                <p:cTn id="14" presetID="10" presetClass="entr" presetSubtype="0" fill="hold" nodeType="withEffect">
+                                  <p:stCondLst>
+                                    <p:cond delay="0"/>
+                                  </p:stCondLst>
+                                  <p:childTnLst>
+                                    <p:set>
+                                      <p:cBhvr>
+                                        <p:cTn id="15" dur="1" fill="hold">
+                                          <p:stCondLst>
+                                            <p:cond delay="0"/>
+                                          </p:stCondLst>
+                                        </p:cTn>
+                                        <p:tgtEl>
+                                          <p:spTgt spid="2">
+                                            <p:txEl>
+                                              <p:pRg st="4" end="4"/>
+                                            </p:txEl>
+                                          </p:spTgt>
+                                        </p:tgtEl>
+                                        <p:attrNameLst>
+                                          <p:attrName>style.visibility</p:attrName>
+                                        </p:attrNameLst>
+                                      </p:cBhvr>
+                                      <p:to>
+                                        <p:strVal val="visible"/>
+                                      </p:to>
+                                    </p:set>
+                                    <p:animEffect transition="in" filter="fade">
+                                      <p:cBhvr>
+                                        <p:cTn id="16" dur="500"/>
+                                        <p:tgtEl>
+                                          <p:spTgt spid="2">
+                                            <p:txEl>
+                                              <p:pRg st="4" end="4"/>
+                                            </p:txEl>
+                                          </p:spTgt>
+                                        </p:tgtEl>
+                                      </p:cBhvr>
+                                    </p:animEffect>
+                                  </p:childTnLst>
+                                </p:cTn>
+                              </p:par>
+                              <p:par>
+                                <p:cTn id="17" presetID="10" presetClass="entr" presetSubtype="0" fill="hold" nodeType="withEffect">
+                                  <p:stCondLst>
+                                    <p:cond delay="0"/>
+                                  </p:stCondLst>
+                                  <p:childTnLst>
+                                    <p:set>
+                                      <p:cBhvr>
+                                        <p:cTn id="18" dur="1" fill="hold">
+                                          <p:stCondLst>
+                                            <p:cond delay="0"/>
+                                          </p:stCondLst>
+                                        </p:cTn>
+                                        <p:tgtEl>
+                                          <p:spTgt spid="2">
+                                            <p:txEl>
+                                              <p:pRg st="5" end="5"/>
+                                            </p:txEl>
+                                          </p:spTgt>
+                                        </p:tgtEl>
+                                        <p:attrNameLst>
+                                          <p:attrName>style.visibility</p:attrName>
+                                        </p:attrNameLst>
+                                      </p:cBhvr>
+                                      <p:to>
+                                        <p:strVal val="visible"/>
+                                      </p:to>
+                                    </p:set>
+                                    <p:animEffect transition="in" filter="fade">
+                                      <p:cBhvr>
+                                        <p:cTn id="19" dur="500"/>
+                                        <p:tgtEl>
+                                          <p:spTgt spid="2">
+                                            <p:txEl>
+                                              <p:pRg st="5" end="5"/>
+                                            </p:txEl>
+                                          </p:spTgt>
+                                        </p:tgtEl>
+                                      </p:cBhvr>
+                                    </p:animEffect>
+                                  </p:childTnLst>
+                                </p:cTn>
+                              </p:par>
+                            </p:childTnLst>
+                          </p:cTn>
+                        </p:par>
+                      </p:childTnLst>
+                    </p:cTn>
+                  </p:par>
+                  <p:par>
+                    <p:cTn id="20" fill="hold">
+                      <p:stCondLst>
+                        <p:cond delay="indefinite"/>
+                      </p:stCondLst>
+                      <p:childTnLst>
+                        <p:par>
+                          <p:cTn id="21" fill="hold">
+                            <p:stCondLst>
+                              <p:cond delay="0"/>
+                            </p:stCondLst>
+                            <p:childTnLst>
+                              <p:par>
+                                <p:cTn id="22" presetID="10" presetClass="entr" presetSubtype="0" fill="hold" nodeType="clickEffect">
+                                  <p:stCondLst>
+                                    <p:cond delay="0"/>
+                                  </p:stCondLst>
+                                  <p:childTnLst>
+                                    <p:set>
+                                      <p:cBhvr>
+                                        <p:cTn id="23" dur="1" fill="hold">
+                                          <p:stCondLst>
+                                            <p:cond delay="0"/>
+                                          </p:stCondLst>
+                                        </p:cTn>
+                                        <p:tgtEl>
+                                          <p:spTgt spid="2">
+                                            <p:txEl>
+                                              <p:pRg st="6" end="6"/>
+                                            </p:txEl>
+                                          </p:spTgt>
+                                        </p:tgtEl>
+                                        <p:attrNameLst>
+                                          <p:attrName>style.visibility</p:attrName>
+                                        </p:attrNameLst>
+                                      </p:cBhvr>
+                                      <p:to>
+                                        <p:strVal val="visible"/>
+                                      </p:to>
+                                    </p:set>
+                                    <p:animEffect transition="in" filter="fade">
+                                      <p:cBhvr>
+                                        <p:cTn id="24" dur="500"/>
+                                        <p:tgtEl>
+                                          <p:spTgt spid="2">
+                                            <p:txEl>
+                                              <p:pRg st="6" end="6"/>
+                                            </p:txEl>
+                                          </p:spTgt>
+                                        </p:tgtEl>
+                                      </p:cBhvr>
+                                    </p:animEffect>
+                                  </p:childTnLst>
+                                </p:cTn>
+                              </p:par>
+                              <p:par>
+                                <p:cTn id="25" presetID="10" presetClass="entr" presetSubtype="0" fill="hold" nodeType="withEffect">
+                                  <p:stCondLst>
+                                    <p:cond delay="0"/>
+                                  </p:stCondLst>
+                                  <p:childTnLst>
+                                    <p:set>
+                                      <p:cBhvr>
+                                        <p:cTn id="26" dur="1" fill="hold">
+                                          <p:stCondLst>
+                                            <p:cond delay="0"/>
+                                          </p:stCondLst>
+                                        </p:cTn>
+                                        <p:tgtEl>
+                                          <p:spTgt spid="2">
+                                            <p:txEl>
+                                              <p:pRg st="7" end="7"/>
+                                            </p:txEl>
+                                          </p:spTgt>
+                                        </p:tgtEl>
+                                        <p:attrNameLst>
+                                          <p:attrName>style.visibility</p:attrName>
+                                        </p:attrNameLst>
+                                      </p:cBhvr>
+                                      <p:to>
+                                        <p:strVal val="visible"/>
+                                      </p:to>
+                                    </p:set>
+                                    <p:animEffect transition="in" filter="fade">
+                                      <p:cBhvr>
+                                        <p:cTn id="27" dur="500"/>
+                                        <p:tgtEl>
+                                          <p:spTgt spid="2">
+                                            <p:txEl>
+                                              <p:pRg st="7" end="7"/>
+                                            </p:txEl>
+                                          </p:spTgt>
+                                        </p:tgtEl>
+                                      </p:cBhvr>
+                                    </p:animEffect>
+                                  </p:childTnLst>
+                                </p:cTn>
+                              </p:par>
+                            </p:childTnLst>
+                          </p:cTn>
+                        </p:par>
+                      </p:childTnLst>
+                    </p:cTn>
+                  </p:par>
+                  <p:par>
+                    <p:cTn id="28" fill="hold">
+                      <p:stCondLst>
+                        <p:cond delay="indefinite"/>
+                      </p:stCondLst>
+                      <p:childTnLst>
+                        <p:par>
+                          <p:cTn id="29" fill="hold">
+                            <p:stCondLst>
+                              <p:cond delay="0"/>
+                            </p:stCondLst>
+                            <p:childTnLst>
+                              <p:par>
+                                <p:cTn id="30" presetID="10" presetClass="entr" presetSubtype="0" fill="hold" nodeType="clickEffect">
+                                  <p:stCondLst>
+                                    <p:cond delay="0"/>
+                                  </p:stCondLst>
+                                  <p:childTnLst>
+                                    <p:set>
+                                      <p:cBhvr>
+                                        <p:cTn id="31" dur="1" fill="hold">
+                                          <p:stCondLst>
+                                            <p:cond delay="0"/>
+                                          </p:stCondLst>
+                                        </p:cTn>
+                                        <p:tgtEl>
+                                          <p:spTgt spid="2">
+                                            <p:txEl>
+                                              <p:pRg st="8" end="8"/>
+                                            </p:txEl>
+                                          </p:spTgt>
+                                        </p:tgtEl>
+                                        <p:attrNameLst>
+                                          <p:attrName>style.visibility</p:attrName>
+                                        </p:attrNameLst>
+                                      </p:cBhvr>
+                                      <p:to>
+                                        <p:strVal val="visible"/>
+                                      </p:to>
+                                    </p:set>
+                                    <p:animEffect transition="in" filter="fade">
+                                      <p:cBhvr>
+                                        <p:cTn id="32" dur="500"/>
+                                        <p:tgtEl>
+                                          <p:spTgt spid="2">
+                                            <p:txEl>
+                                              <p:pRg st="8" end="8"/>
+                                            </p:txEl>
+                                          </p:spTgt>
+                                        </p:tgtEl>
+                                      </p:cBhvr>
+                                    </p:animEffect>
+                                  </p:childTnLst>
+                                </p:cTn>
+                              </p:par>
+                              <p:par>
+                                <p:cTn id="33" presetID="10" presetClass="entr" presetSubtype="0" fill="hold" nodeType="withEffect">
+                                  <p:stCondLst>
+                                    <p:cond delay="0"/>
+                                  </p:stCondLst>
+                                  <p:childTnLst>
+                                    <p:set>
+                                      <p:cBhvr>
+                                        <p:cTn id="34" dur="1" fill="hold">
+                                          <p:stCondLst>
+                                            <p:cond delay="0"/>
+                                          </p:stCondLst>
+                                        </p:cTn>
+                                        <p:tgtEl>
+                                          <p:spTgt spid="2">
+                                            <p:txEl>
+                                              <p:pRg st="9" end="9"/>
+                                            </p:txEl>
+                                          </p:spTgt>
+                                        </p:tgtEl>
+                                        <p:attrNameLst>
+                                          <p:attrName>style.visibility</p:attrName>
+                                        </p:attrNameLst>
+                                      </p:cBhvr>
+                                      <p:to>
+                                        <p:strVal val="visible"/>
+                                      </p:to>
+                                    </p:set>
+                                    <p:animEffect transition="in" filter="fade">
+                                      <p:cBhvr>
+                                        <p:cTn id="35" dur="500"/>
+                                        <p:tgtEl>
+                                          <p:spTgt spid="2">
+                                            <p:txEl>
+                                              <p:pRg st="9" end="9"/>
+                                            </p:txEl>
+                                          </p:spTgt>
+                                        </p:tgtEl>
+                                      </p:cBhvr>
+                                    </p:animEffect>
+                                  </p:childTnLst>
+                                </p:cTn>
+                              </p:par>
+                              <p:par>
+                                <p:cTn id="36" presetID="10" presetClass="entr" presetSubtype="0" fill="hold" nodeType="withEffect">
+                                  <p:stCondLst>
+                                    <p:cond delay="0"/>
+                                  </p:stCondLst>
+                                  <p:childTnLst>
+                                    <p:set>
+                                      <p:cBhvr>
+                                        <p:cTn id="37" dur="1" fill="hold">
+                                          <p:stCondLst>
+                                            <p:cond delay="0"/>
+                                          </p:stCondLst>
+                                        </p:cTn>
+                                        <p:tgtEl>
+                                          <p:spTgt spid="2">
+                                            <p:txEl>
+                                              <p:pRg st="10" end="10"/>
+                                            </p:txEl>
+                                          </p:spTgt>
+                                        </p:tgtEl>
+                                        <p:attrNameLst>
+                                          <p:attrName>style.visibility</p:attrName>
+                                        </p:attrNameLst>
+                                      </p:cBhvr>
+                                      <p:to>
+                                        <p:strVal val="visible"/>
+                                      </p:to>
+                                    </p:set>
+                                    <p:animEffect transition="in" filter="fade">
+                                      <p:cBhvr>
+                                        <p:cTn id="38" dur="500"/>
+                                        <p:tgtEl>
+                                          <p:spTgt spid="2">
+                                            <p:txEl>
+                                              <p:pRg st="10" end="10"/>
+                                            </p:txEl>
+                                          </p:spTgt>
+                                        </p:tgtEl>
+                                      </p:cBhvr>
+                                    </p:animEffect>
+                                  </p:childTnLst>
+                                </p:cTn>
+                              </p:par>
+                            </p:childTnLst>
+                          </p:cTn>
+                        </p:par>
+                      </p:childTnLst>
+                    </p:cTn>
+                  </p:par>
+                </p:childTnLst>
+              </p:cTn>
+              <p:prevCondLst>
+                <p:cond evt="onPrev" delay="0">
+                  <p:tgtEl>
+                    <p:sldTgt/>
+                  </p:tgtEl>
+                </p:cond>
+              </p:prevCondLst>
+              <p:nextCondLst>
+                <p:cond evt="onNext" delay="0">
+                  <p:tgtEl>
+                    <p:sldTgt/>
+                  </p:tgtEl>
+                </p:cond>
+              </p:nextCondLst>
+            </p:seq>
+          </p:childTnLst>
+        </p:cTn>
       </p:par>
     </p:tnLst>
   </p:timing>
@@ -8428,7 +12833,543 @@
   <p:timing>
     <p:tnLst>
       <p:par>
-        <p:cTn id="1" dur="indefinite" restart="never" nodeType="tmRoot"/>
+        <p:cTn id="1" dur="indefinite" restart="never" nodeType="tmRoot">
+          <p:childTnLst>
+            <p:seq concurrent="1" nextAc="seek">
+              <p:cTn id="2" dur="indefinite" nodeType="mainSeq">
+                <p:childTnLst>
+                  <p:par>
+                    <p:cTn id="3" fill="hold">
+                      <p:stCondLst>
+                        <p:cond delay="indefinite"/>
+                      </p:stCondLst>
+                      <p:childTnLst>
+                        <p:par>
+                          <p:cTn id="4" fill="hold">
+                            <p:stCondLst>
+                              <p:cond delay="0"/>
+                            </p:stCondLst>
+                            <p:childTnLst>
+                              <p:par>
+                                <p:cTn id="5" presetID="10" presetClass="entr" presetSubtype="0" fill="hold" nodeType="clickEffect">
+                                  <p:stCondLst>
+                                    <p:cond delay="0"/>
+                                  </p:stCondLst>
+                                  <p:childTnLst>
+                                    <p:set>
+                                      <p:cBhvr>
+                                        <p:cTn id="6" dur="1" fill="hold">
+                                          <p:stCondLst>
+                                            <p:cond delay="0"/>
+                                          </p:stCondLst>
+                                        </p:cTn>
+                                        <p:tgtEl>
+                                          <p:spTgt spid="2">
+                                            <p:txEl>
+                                              <p:pRg st="0" end="0"/>
+                                            </p:txEl>
+                                          </p:spTgt>
+                                        </p:tgtEl>
+                                        <p:attrNameLst>
+                                          <p:attrName>style.visibility</p:attrName>
+                                        </p:attrNameLst>
+                                      </p:cBhvr>
+                                      <p:to>
+                                        <p:strVal val="visible"/>
+                                      </p:to>
+                                    </p:set>
+                                    <p:animEffect transition="in" filter="fade">
+                                      <p:cBhvr>
+                                        <p:cTn id="7" dur="500"/>
+                                        <p:tgtEl>
+                                          <p:spTgt spid="2">
+                                            <p:txEl>
+                                              <p:pRg st="0" end="0"/>
+                                            </p:txEl>
+                                          </p:spTgt>
+                                        </p:tgtEl>
+                                      </p:cBhvr>
+                                    </p:animEffect>
+                                  </p:childTnLst>
+                                </p:cTn>
+                              </p:par>
+                            </p:childTnLst>
+                          </p:cTn>
+                        </p:par>
+                      </p:childTnLst>
+                    </p:cTn>
+                  </p:par>
+                  <p:par>
+                    <p:cTn id="8" fill="hold">
+                      <p:stCondLst>
+                        <p:cond delay="indefinite"/>
+                      </p:stCondLst>
+                      <p:childTnLst>
+                        <p:par>
+                          <p:cTn id="9" fill="hold">
+                            <p:stCondLst>
+                              <p:cond delay="0"/>
+                            </p:stCondLst>
+                            <p:childTnLst>
+                              <p:par>
+                                <p:cTn id="10" presetID="10" presetClass="entr" presetSubtype="0" fill="hold" nodeType="clickEffect">
+                                  <p:stCondLst>
+                                    <p:cond delay="0"/>
+                                  </p:stCondLst>
+                                  <p:childTnLst>
+                                    <p:set>
+                                      <p:cBhvr>
+                                        <p:cTn id="11" dur="1" fill="hold">
+                                          <p:stCondLst>
+                                            <p:cond delay="0"/>
+                                          </p:stCondLst>
+                                        </p:cTn>
+                                        <p:tgtEl>
+                                          <p:spTgt spid="2">
+                                            <p:txEl>
+                                              <p:pRg st="1" end="1"/>
+                                            </p:txEl>
+                                          </p:spTgt>
+                                        </p:tgtEl>
+                                        <p:attrNameLst>
+                                          <p:attrName>style.visibility</p:attrName>
+                                        </p:attrNameLst>
+                                      </p:cBhvr>
+                                      <p:to>
+                                        <p:strVal val="visible"/>
+                                      </p:to>
+                                    </p:set>
+                                    <p:animEffect transition="in" filter="fade">
+                                      <p:cBhvr>
+                                        <p:cTn id="12" dur="500"/>
+                                        <p:tgtEl>
+                                          <p:spTgt spid="2">
+                                            <p:txEl>
+                                              <p:pRg st="1" end="1"/>
+                                            </p:txEl>
+                                          </p:spTgt>
+                                        </p:tgtEl>
+                                      </p:cBhvr>
+                                    </p:animEffect>
+                                  </p:childTnLst>
+                                </p:cTn>
+                              </p:par>
+                            </p:childTnLst>
+                          </p:cTn>
+                        </p:par>
+                      </p:childTnLst>
+                    </p:cTn>
+                  </p:par>
+                  <p:par>
+                    <p:cTn id="13" fill="hold">
+                      <p:stCondLst>
+                        <p:cond delay="indefinite"/>
+                      </p:stCondLst>
+                      <p:childTnLst>
+                        <p:par>
+                          <p:cTn id="14" fill="hold">
+                            <p:stCondLst>
+                              <p:cond delay="0"/>
+                            </p:stCondLst>
+                            <p:childTnLst>
+                              <p:par>
+                                <p:cTn id="15" presetID="10" presetClass="entr" presetSubtype="0" fill="hold" nodeType="clickEffect">
+                                  <p:stCondLst>
+                                    <p:cond delay="0"/>
+                                  </p:stCondLst>
+                                  <p:childTnLst>
+                                    <p:set>
+                                      <p:cBhvr>
+                                        <p:cTn id="16" dur="1" fill="hold">
+                                          <p:stCondLst>
+                                            <p:cond delay="0"/>
+                                          </p:stCondLst>
+                                        </p:cTn>
+                                        <p:tgtEl>
+                                          <p:spTgt spid="2">
+                                            <p:txEl>
+                                              <p:pRg st="2" end="2"/>
+                                            </p:txEl>
+                                          </p:spTgt>
+                                        </p:tgtEl>
+                                        <p:attrNameLst>
+                                          <p:attrName>style.visibility</p:attrName>
+                                        </p:attrNameLst>
+                                      </p:cBhvr>
+                                      <p:to>
+                                        <p:strVal val="visible"/>
+                                      </p:to>
+                                    </p:set>
+                                    <p:animEffect transition="in" filter="fade">
+                                      <p:cBhvr>
+                                        <p:cTn id="17" dur="500"/>
+                                        <p:tgtEl>
+                                          <p:spTgt spid="2">
+                                            <p:txEl>
+                                              <p:pRg st="2" end="2"/>
+                                            </p:txEl>
+                                          </p:spTgt>
+                                        </p:tgtEl>
+                                      </p:cBhvr>
+                                    </p:animEffect>
+                                  </p:childTnLst>
+                                </p:cTn>
+                              </p:par>
+                              <p:par>
+                                <p:cTn id="18" presetID="10" presetClass="entr" presetSubtype="0" fill="hold" nodeType="withEffect">
+                                  <p:stCondLst>
+                                    <p:cond delay="0"/>
+                                  </p:stCondLst>
+                                  <p:childTnLst>
+                                    <p:set>
+                                      <p:cBhvr>
+                                        <p:cTn id="19" dur="1" fill="hold">
+                                          <p:stCondLst>
+                                            <p:cond delay="0"/>
+                                          </p:stCondLst>
+                                        </p:cTn>
+                                        <p:tgtEl>
+                                          <p:spTgt spid="2">
+                                            <p:txEl>
+                                              <p:pRg st="3" end="3"/>
+                                            </p:txEl>
+                                          </p:spTgt>
+                                        </p:tgtEl>
+                                        <p:attrNameLst>
+                                          <p:attrName>style.visibility</p:attrName>
+                                        </p:attrNameLst>
+                                      </p:cBhvr>
+                                      <p:to>
+                                        <p:strVal val="visible"/>
+                                      </p:to>
+                                    </p:set>
+                                    <p:animEffect transition="in" filter="fade">
+                                      <p:cBhvr>
+                                        <p:cTn id="20" dur="500"/>
+                                        <p:tgtEl>
+                                          <p:spTgt spid="2">
+                                            <p:txEl>
+                                              <p:pRg st="3" end="3"/>
+                                            </p:txEl>
+                                          </p:spTgt>
+                                        </p:tgtEl>
+                                      </p:cBhvr>
+                                    </p:animEffect>
+                                  </p:childTnLst>
+                                </p:cTn>
+                              </p:par>
+                              <p:par>
+                                <p:cTn id="21" presetID="10" presetClass="entr" presetSubtype="0" fill="hold" nodeType="withEffect">
+                                  <p:stCondLst>
+                                    <p:cond delay="0"/>
+                                  </p:stCondLst>
+                                  <p:childTnLst>
+                                    <p:set>
+                                      <p:cBhvr>
+                                        <p:cTn id="22" dur="1" fill="hold">
+                                          <p:stCondLst>
+                                            <p:cond delay="0"/>
+                                          </p:stCondLst>
+                                        </p:cTn>
+                                        <p:tgtEl>
+                                          <p:spTgt spid="2">
+                                            <p:txEl>
+                                              <p:pRg st="4" end="4"/>
+                                            </p:txEl>
+                                          </p:spTgt>
+                                        </p:tgtEl>
+                                        <p:attrNameLst>
+                                          <p:attrName>style.visibility</p:attrName>
+                                        </p:attrNameLst>
+                                      </p:cBhvr>
+                                      <p:to>
+                                        <p:strVal val="visible"/>
+                                      </p:to>
+                                    </p:set>
+                                    <p:animEffect transition="in" filter="fade">
+                                      <p:cBhvr>
+                                        <p:cTn id="23" dur="500"/>
+                                        <p:tgtEl>
+                                          <p:spTgt spid="2">
+                                            <p:txEl>
+                                              <p:pRg st="4" end="4"/>
+                                            </p:txEl>
+                                          </p:spTgt>
+                                        </p:tgtEl>
+                                      </p:cBhvr>
+                                    </p:animEffect>
+                                  </p:childTnLst>
+                                </p:cTn>
+                              </p:par>
+                            </p:childTnLst>
+                          </p:cTn>
+                        </p:par>
+                      </p:childTnLst>
+                    </p:cTn>
+                  </p:par>
+                  <p:par>
+                    <p:cTn id="24" fill="hold">
+                      <p:stCondLst>
+                        <p:cond delay="indefinite"/>
+                      </p:stCondLst>
+                      <p:childTnLst>
+                        <p:par>
+                          <p:cTn id="25" fill="hold">
+                            <p:stCondLst>
+                              <p:cond delay="0"/>
+                            </p:stCondLst>
+                            <p:childTnLst>
+                              <p:par>
+                                <p:cTn id="26" presetID="10" presetClass="entr" presetSubtype="0" fill="hold" nodeType="clickEffect">
+                                  <p:stCondLst>
+                                    <p:cond delay="0"/>
+                                  </p:stCondLst>
+                                  <p:childTnLst>
+                                    <p:set>
+                                      <p:cBhvr>
+                                        <p:cTn id="27" dur="1" fill="hold">
+                                          <p:stCondLst>
+                                            <p:cond delay="0"/>
+                                          </p:stCondLst>
+                                        </p:cTn>
+                                        <p:tgtEl>
+                                          <p:spTgt spid="2">
+                                            <p:txEl>
+                                              <p:pRg st="5" end="5"/>
+                                            </p:txEl>
+                                          </p:spTgt>
+                                        </p:tgtEl>
+                                        <p:attrNameLst>
+                                          <p:attrName>style.visibility</p:attrName>
+                                        </p:attrNameLst>
+                                      </p:cBhvr>
+                                      <p:to>
+                                        <p:strVal val="visible"/>
+                                      </p:to>
+                                    </p:set>
+                                    <p:animEffect transition="in" filter="fade">
+                                      <p:cBhvr>
+                                        <p:cTn id="28" dur="500"/>
+                                        <p:tgtEl>
+                                          <p:spTgt spid="2">
+                                            <p:txEl>
+                                              <p:pRg st="5" end="5"/>
+                                            </p:txEl>
+                                          </p:spTgt>
+                                        </p:tgtEl>
+                                      </p:cBhvr>
+                                    </p:animEffect>
+                                  </p:childTnLst>
+                                </p:cTn>
+                              </p:par>
+                            </p:childTnLst>
+                          </p:cTn>
+                        </p:par>
+                      </p:childTnLst>
+                    </p:cTn>
+                  </p:par>
+                  <p:par>
+                    <p:cTn id="29" fill="hold">
+                      <p:stCondLst>
+                        <p:cond delay="indefinite"/>
+                      </p:stCondLst>
+                      <p:childTnLst>
+                        <p:par>
+                          <p:cTn id="30" fill="hold">
+                            <p:stCondLst>
+                              <p:cond delay="0"/>
+                            </p:stCondLst>
+                            <p:childTnLst>
+                              <p:par>
+                                <p:cTn id="31" presetID="10" presetClass="entr" presetSubtype="0" fill="hold" nodeType="clickEffect">
+                                  <p:stCondLst>
+                                    <p:cond delay="0"/>
+                                  </p:stCondLst>
+                                  <p:childTnLst>
+                                    <p:set>
+                                      <p:cBhvr>
+                                        <p:cTn id="32" dur="1" fill="hold">
+                                          <p:stCondLst>
+                                            <p:cond delay="0"/>
+                                          </p:stCondLst>
+                                        </p:cTn>
+                                        <p:tgtEl>
+                                          <p:spTgt spid="2">
+                                            <p:txEl>
+                                              <p:pRg st="6" end="6"/>
+                                            </p:txEl>
+                                          </p:spTgt>
+                                        </p:tgtEl>
+                                        <p:attrNameLst>
+                                          <p:attrName>style.visibility</p:attrName>
+                                        </p:attrNameLst>
+                                      </p:cBhvr>
+                                      <p:to>
+                                        <p:strVal val="visible"/>
+                                      </p:to>
+                                    </p:set>
+                                    <p:animEffect transition="in" filter="fade">
+                                      <p:cBhvr>
+                                        <p:cTn id="33" dur="500"/>
+                                        <p:tgtEl>
+                                          <p:spTgt spid="2">
+                                            <p:txEl>
+                                              <p:pRg st="6" end="6"/>
+                                            </p:txEl>
+                                          </p:spTgt>
+                                        </p:tgtEl>
+                                      </p:cBhvr>
+                                    </p:animEffect>
+                                  </p:childTnLst>
+                                </p:cTn>
+                              </p:par>
+                            </p:childTnLst>
+                          </p:cTn>
+                        </p:par>
+                      </p:childTnLst>
+                    </p:cTn>
+                  </p:par>
+                  <p:par>
+                    <p:cTn id="34" fill="hold">
+                      <p:stCondLst>
+                        <p:cond delay="indefinite"/>
+                      </p:stCondLst>
+                      <p:childTnLst>
+                        <p:par>
+                          <p:cTn id="35" fill="hold">
+                            <p:stCondLst>
+                              <p:cond delay="0"/>
+                            </p:stCondLst>
+                            <p:childTnLst>
+                              <p:par>
+                                <p:cTn id="36" presetID="10" presetClass="entr" presetSubtype="0" fill="hold" nodeType="clickEffect">
+                                  <p:stCondLst>
+                                    <p:cond delay="0"/>
+                                  </p:stCondLst>
+                                  <p:childTnLst>
+                                    <p:set>
+                                      <p:cBhvr>
+                                        <p:cTn id="37" dur="1" fill="hold">
+                                          <p:stCondLst>
+                                            <p:cond delay="0"/>
+                                          </p:stCondLst>
+                                        </p:cTn>
+                                        <p:tgtEl>
+                                          <p:spTgt spid="2">
+                                            <p:txEl>
+                                              <p:pRg st="7" end="7"/>
+                                            </p:txEl>
+                                          </p:spTgt>
+                                        </p:tgtEl>
+                                        <p:attrNameLst>
+                                          <p:attrName>style.visibility</p:attrName>
+                                        </p:attrNameLst>
+                                      </p:cBhvr>
+                                      <p:to>
+                                        <p:strVal val="visible"/>
+                                      </p:to>
+                                    </p:set>
+                                    <p:animEffect transition="in" filter="fade">
+                                      <p:cBhvr>
+                                        <p:cTn id="38" dur="500"/>
+                                        <p:tgtEl>
+                                          <p:spTgt spid="2">
+                                            <p:txEl>
+                                              <p:pRg st="7" end="7"/>
+                                            </p:txEl>
+                                          </p:spTgt>
+                                        </p:tgtEl>
+                                      </p:cBhvr>
+                                    </p:animEffect>
+                                  </p:childTnLst>
+                                </p:cTn>
+                              </p:par>
+                            </p:childTnLst>
+                          </p:cTn>
+                        </p:par>
+                      </p:childTnLst>
+                    </p:cTn>
+                  </p:par>
+                  <p:par>
+                    <p:cTn id="39" fill="hold">
+                      <p:stCondLst>
+                        <p:cond delay="indefinite"/>
+                      </p:stCondLst>
+                      <p:childTnLst>
+                        <p:par>
+                          <p:cTn id="40" fill="hold">
+                            <p:stCondLst>
+                              <p:cond delay="0"/>
+                            </p:stCondLst>
+                            <p:childTnLst>
+                              <p:par>
+                                <p:cTn id="41" presetID="10" presetClass="entr" presetSubtype="0" fill="hold" nodeType="clickEffect">
+                                  <p:stCondLst>
+                                    <p:cond delay="0"/>
+                                  </p:stCondLst>
+                                  <p:childTnLst>
+                                    <p:set>
+                                      <p:cBhvr>
+                                        <p:cTn id="42" dur="1" fill="hold">
+                                          <p:stCondLst>
+                                            <p:cond delay="0"/>
+                                          </p:stCondLst>
+                                        </p:cTn>
+                                        <p:tgtEl>
+                                          <p:spTgt spid="2">
+                                            <p:txEl>
+                                              <p:pRg st="8" end="8"/>
+                                            </p:txEl>
+                                          </p:spTgt>
+                                        </p:tgtEl>
+                                        <p:attrNameLst>
+                                          <p:attrName>style.visibility</p:attrName>
+                                        </p:attrNameLst>
+                                      </p:cBhvr>
+                                      <p:to>
+                                        <p:strVal val="visible"/>
+                                      </p:to>
+                                    </p:set>
+                                    <p:animEffect transition="in" filter="fade">
+                                      <p:cBhvr>
+                                        <p:cTn id="43" dur="500"/>
+                                        <p:tgtEl>
+                                          <p:spTgt spid="2">
+                                            <p:txEl>
+                                              <p:pRg st="8" end="8"/>
+                                            </p:txEl>
+                                          </p:spTgt>
+                                        </p:tgtEl>
+                                      </p:cBhvr>
+                                    </p:animEffect>
+                                  </p:childTnLst>
+                                </p:cTn>
+                              </p:par>
+                            </p:childTnLst>
+                          </p:cTn>
+                        </p:par>
+                      </p:childTnLst>
+                    </p:cTn>
+                  </p:par>
+                </p:childTnLst>
+              </p:cTn>
+              <p:prevCondLst>
+                <p:cond evt="onPrev" delay="0">
+                  <p:tgtEl>
+                    <p:sldTgt/>
+                  </p:tgtEl>
+                </p:cond>
+              </p:prevCondLst>
+              <p:nextCondLst>
+                <p:cond evt="onNext" delay="0">
+                  <p:tgtEl>
+                    <p:sldTgt/>
+                  </p:tgtEl>
+                </p:cond>
+              </p:nextCondLst>
+            </p:seq>
+          </p:childTnLst>
+        </p:cTn>
       </p:par>
     </p:tnLst>
   </p:timing>
@@ -8546,11 +13487,11 @@
               <a:t>Obținerea </a:t>
             </a:r>
             <a:r>
-              <a:rPr lang="ro-RO" i="1" dirty="0" err="1" smtClean="0"/>
-              <a:t>fitenss</a:t>
-            </a:r>
-            <a:r>
-              <a:rPr lang="ro-RO" dirty="0" err="1" smtClean="0"/>
+              <a:rPr lang="ro-RO" i="1" dirty="0" smtClean="0"/>
+              <a:t>fitness</a:t>
+            </a:r>
+            <a:r>
+              <a:rPr lang="ro-RO" dirty="0" smtClean="0"/>
               <a:t>-ului</a:t>
             </a:r>
             <a:endParaRPr lang="ro-RO" dirty="0"/>
@@ -8707,7 +13648,578 @@
   <p:timing>
     <p:tnLst>
       <p:par>
-        <p:cTn id="1" dur="indefinite" restart="never" nodeType="tmRoot"/>
+        <p:cTn id="1" dur="indefinite" restart="never" nodeType="tmRoot">
+          <p:childTnLst>
+            <p:seq concurrent="1" nextAc="seek">
+              <p:cTn id="2" dur="indefinite" nodeType="mainSeq">
+                <p:childTnLst>
+                  <p:par>
+                    <p:cTn id="3" fill="hold">
+                      <p:stCondLst>
+                        <p:cond delay="indefinite"/>
+                      </p:stCondLst>
+                      <p:childTnLst>
+                        <p:par>
+                          <p:cTn id="4" fill="hold">
+                            <p:stCondLst>
+                              <p:cond delay="0"/>
+                            </p:stCondLst>
+                            <p:childTnLst>
+                              <p:par>
+                                <p:cTn id="5" presetID="10" presetClass="entr" presetSubtype="0" fill="hold" nodeType="clickEffect">
+                                  <p:stCondLst>
+                                    <p:cond delay="0"/>
+                                  </p:stCondLst>
+                                  <p:childTnLst>
+                                    <p:set>
+                                      <p:cBhvr>
+                                        <p:cTn id="6" dur="1" fill="hold">
+                                          <p:stCondLst>
+                                            <p:cond delay="0"/>
+                                          </p:stCondLst>
+                                        </p:cTn>
+                                        <p:tgtEl>
+                                          <p:spTgt spid="2">
+                                            <p:txEl>
+                                              <p:pRg st="0" end="0"/>
+                                            </p:txEl>
+                                          </p:spTgt>
+                                        </p:tgtEl>
+                                        <p:attrNameLst>
+                                          <p:attrName>style.visibility</p:attrName>
+                                        </p:attrNameLst>
+                                      </p:cBhvr>
+                                      <p:to>
+                                        <p:strVal val="visible"/>
+                                      </p:to>
+                                    </p:set>
+                                    <p:animEffect transition="in" filter="fade">
+                                      <p:cBhvr>
+                                        <p:cTn id="7" dur="500"/>
+                                        <p:tgtEl>
+                                          <p:spTgt spid="2">
+                                            <p:txEl>
+                                              <p:pRg st="0" end="0"/>
+                                            </p:txEl>
+                                          </p:spTgt>
+                                        </p:tgtEl>
+                                      </p:cBhvr>
+                                    </p:animEffect>
+                                  </p:childTnLst>
+                                </p:cTn>
+                              </p:par>
+                              <p:par>
+                                <p:cTn id="8" presetID="10" presetClass="entr" presetSubtype="0" fill="hold" nodeType="withEffect">
+                                  <p:stCondLst>
+                                    <p:cond delay="0"/>
+                                  </p:stCondLst>
+                                  <p:childTnLst>
+                                    <p:set>
+                                      <p:cBhvr>
+                                        <p:cTn id="9" dur="1" fill="hold">
+                                          <p:stCondLst>
+                                            <p:cond delay="0"/>
+                                          </p:stCondLst>
+                                        </p:cTn>
+                                        <p:tgtEl>
+                                          <p:spTgt spid="3074"/>
+                                        </p:tgtEl>
+                                        <p:attrNameLst>
+                                          <p:attrName>style.visibility</p:attrName>
+                                        </p:attrNameLst>
+                                      </p:cBhvr>
+                                      <p:to>
+                                        <p:strVal val="visible"/>
+                                      </p:to>
+                                    </p:set>
+                                    <p:animEffect transition="in" filter="fade">
+                                      <p:cBhvr>
+                                        <p:cTn id="10" dur="500"/>
+                                        <p:tgtEl>
+                                          <p:spTgt spid="3074"/>
+                                        </p:tgtEl>
+                                      </p:cBhvr>
+                                    </p:animEffect>
+                                  </p:childTnLst>
+                                </p:cTn>
+                              </p:par>
+                            </p:childTnLst>
+                          </p:cTn>
+                        </p:par>
+                      </p:childTnLst>
+                    </p:cTn>
+                  </p:par>
+                  <p:par>
+                    <p:cTn id="11" fill="hold">
+                      <p:stCondLst>
+                        <p:cond delay="indefinite"/>
+                      </p:stCondLst>
+                      <p:childTnLst>
+                        <p:par>
+                          <p:cTn id="12" fill="hold">
+                            <p:stCondLst>
+                              <p:cond delay="0"/>
+                            </p:stCondLst>
+                            <p:childTnLst>
+                              <p:par>
+                                <p:cTn id="13" presetID="10" presetClass="entr" presetSubtype="0" fill="hold" nodeType="clickEffect">
+                                  <p:stCondLst>
+                                    <p:cond delay="0"/>
+                                  </p:stCondLst>
+                                  <p:childTnLst>
+                                    <p:set>
+                                      <p:cBhvr>
+                                        <p:cTn id="14" dur="1" fill="hold">
+                                          <p:stCondLst>
+                                            <p:cond delay="0"/>
+                                          </p:stCondLst>
+                                        </p:cTn>
+                                        <p:tgtEl>
+                                          <p:spTgt spid="2">
+                                            <p:txEl>
+                                              <p:pRg st="1" end="1"/>
+                                            </p:txEl>
+                                          </p:spTgt>
+                                        </p:tgtEl>
+                                        <p:attrNameLst>
+                                          <p:attrName>style.visibility</p:attrName>
+                                        </p:attrNameLst>
+                                      </p:cBhvr>
+                                      <p:to>
+                                        <p:strVal val="visible"/>
+                                      </p:to>
+                                    </p:set>
+                                    <p:animEffect transition="in" filter="fade">
+                                      <p:cBhvr>
+                                        <p:cTn id="15" dur="500"/>
+                                        <p:tgtEl>
+                                          <p:spTgt spid="2">
+                                            <p:txEl>
+                                              <p:pRg st="1" end="1"/>
+                                            </p:txEl>
+                                          </p:spTgt>
+                                        </p:tgtEl>
+                                      </p:cBhvr>
+                                    </p:animEffect>
+                                  </p:childTnLst>
+                                </p:cTn>
+                              </p:par>
+                            </p:childTnLst>
+                          </p:cTn>
+                        </p:par>
+                      </p:childTnLst>
+                    </p:cTn>
+                  </p:par>
+                  <p:par>
+                    <p:cTn id="16" fill="hold">
+                      <p:stCondLst>
+                        <p:cond delay="indefinite"/>
+                      </p:stCondLst>
+                      <p:childTnLst>
+                        <p:par>
+                          <p:cTn id="17" fill="hold">
+                            <p:stCondLst>
+                              <p:cond delay="0"/>
+                            </p:stCondLst>
+                            <p:childTnLst>
+                              <p:par>
+                                <p:cTn id="18" presetID="10" presetClass="entr" presetSubtype="0" fill="hold" nodeType="clickEffect">
+                                  <p:stCondLst>
+                                    <p:cond delay="0"/>
+                                  </p:stCondLst>
+                                  <p:childTnLst>
+                                    <p:set>
+                                      <p:cBhvr>
+                                        <p:cTn id="19" dur="1" fill="hold">
+                                          <p:stCondLst>
+                                            <p:cond delay="0"/>
+                                          </p:stCondLst>
+                                        </p:cTn>
+                                        <p:tgtEl>
+                                          <p:spTgt spid="2">
+                                            <p:txEl>
+                                              <p:pRg st="2" end="2"/>
+                                            </p:txEl>
+                                          </p:spTgt>
+                                        </p:tgtEl>
+                                        <p:attrNameLst>
+                                          <p:attrName>style.visibility</p:attrName>
+                                        </p:attrNameLst>
+                                      </p:cBhvr>
+                                      <p:to>
+                                        <p:strVal val="visible"/>
+                                      </p:to>
+                                    </p:set>
+                                    <p:animEffect transition="in" filter="fade">
+                                      <p:cBhvr>
+                                        <p:cTn id="20" dur="500"/>
+                                        <p:tgtEl>
+                                          <p:spTgt spid="2">
+                                            <p:txEl>
+                                              <p:pRg st="2" end="2"/>
+                                            </p:txEl>
+                                          </p:spTgt>
+                                        </p:tgtEl>
+                                      </p:cBhvr>
+                                    </p:animEffect>
+                                  </p:childTnLst>
+                                </p:cTn>
+                              </p:par>
+                            </p:childTnLst>
+                          </p:cTn>
+                        </p:par>
+                      </p:childTnLst>
+                    </p:cTn>
+                  </p:par>
+                  <p:par>
+                    <p:cTn id="21" fill="hold">
+                      <p:stCondLst>
+                        <p:cond delay="indefinite"/>
+                      </p:stCondLst>
+                      <p:childTnLst>
+                        <p:par>
+                          <p:cTn id="22" fill="hold">
+                            <p:stCondLst>
+                              <p:cond delay="0"/>
+                            </p:stCondLst>
+                            <p:childTnLst>
+                              <p:par>
+                                <p:cTn id="23" presetID="10" presetClass="entr" presetSubtype="0" fill="hold" nodeType="clickEffect">
+                                  <p:stCondLst>
+                                    <p:cond delay="0"/>
+                                  </p:stCondLst>
+                                  <p:childTnLst>
+                                    <p:set>
+                                      <p:cBhvr>
+                                        <p:cTn id="24" dur="1" fill="hold">
+                                          <p:stCondLst>
+                                            <p:cond delay="0"/>
+                                          </p:stCondLst>
+                                        </p:cTn>
+                                        <p:tgtEl>
+                                          <p:spTgt spid="2">
+                                            <p:txEl>
+                                              <p:pRg st="3" end="3"/>
+                                            </p:txEl>
+                                          </p:spTgt>
+                                        </p:tgtEl>
+                                        <p:attrNameLst>
+                                          <p:attrName>style.visibility</p:attrName>
+                                        </p:attrNameLst>
+                                      </p:cBhvr>
+                                      <p:to>
+                                        <p:strVal val="visible"/>
+                                      </p:to>
+                                    </p:set>
+                                    <p:animEffect transition="in" filter="fade">
+                                      <p:cBhvr>
+                                        <p:cTn id="25" dur="500"/>
+                                        <p:tgtEl>
+                                          <p:spTgt spid="2">
+                                            <p:txEl>
+                                              <p:pRg st="3" end="3"/>
+                                            </p:txEl>
+                                          </p:spTgt>
+                                        </p:tgtEl>
+                                      </p:cBhvr>
+                                    </p:animEffect>
+                                  </p:childTnLst>
+                                </p:cTn>
+                              </p:par>
+                            </p:childTnLst>
+                          </p:cTn>
+                        </p:par>
+                      </p:childTnLst>
+                    </p:cTn>
+                  </p:par>
+                  <p:par>
+                    <p:cTn id="26" fill="hold">
+                      <p:stCondLst>
+                        <p:cond delay="indefinite"/>
+                      </p:stCondLst>
+                      <p:childTnLst>
+                        <p:par>
+                          <p:cTn id="27" fill="hold">
+                            <p:stCondLst>
+                              <p:cond delay="0"/>
+                            </p:stCondLst>
+                            <p:childTnLst>
+                              <p:par>
+                                <p:cTn id="28" presetID="10" presetClass="entr" presetSubtype="0" fill="hold" nodeType="clickEffect">
+                                  <p:stCondLst>
+                                    <p:cond delay="0"/>
+                                  </p:stCondLst>
+                                  <p:childTnLst>
+                                    <p:set>
+                                      <p:cBhvr>
+                                        <p:cTn id="29" dur="1" fill="hold">
+                                          <p:stCondLst>
+                                            <p:cond delay="0"/>
+                                          </p:stCondLst>
+                                        </p:cTn>
+                                        <p:tgtEl>
+                                          <p:spTgt spid="2">
+                                            <p:txEl>
+                                              <p:pRg st="4" end="4"/>
+                                            </p:txEl>
+                                          </p:spTgt>
+                                        </p:tgtEl>
+                                        <p:attrNameLst>
+                                          <p:attrName>style.visibility</p:attrName>
+                                        </p:attrNameLst>
+                                      </p:cBhvr>
+                                      <p:to>
+                                        <p:strVal val="visible"/>
+                                      </p:to>
+                                    </p:set>
+                                    <p:animEffect transition="in" filter="fade">
+                                      <p:cBhvr>
+                                        <p:cTn id="30" dur="500"/>
+                                        <p:tgtEl>
+                                          <p:spTgt spid="2">
+                                            <p:txEl>
+                                              <p:pRg st="4" end="4"/>
+                                            </p:txEl>
+                                          </p:spTgt>
+                                        </p:tgtEl>
+                                      </p:cBhvr>
+                                    </p:animEffect>
+                                  </p:childTnLst>
+                                </p:cTn>
+                              </p:par>
+                              <p:par>
+                                <p:cTn id="31" presetID="10" presetClass="entr" presetSubtype="0" fill="hold" nodeType="withEffect">
+                                  <p:stCondLst>
+                                    <p:cond delay="0"/>
+                                  </p:stCondLst>
+                                  <p:childTnLst>
+                                    <p:set>
+                                      <p:cBhvr>
+                                        <p:cTn id="32" dur="1" fill="hold">
+                                          <p:stCondLst>
+                                            <p:cond delay="0"/>
+                                          </p:stCondLst>
+                                        </p:cTn>
+                                        <p:tgtEl>
+                                          <p:spTgt spid="2">
+                                            <p:txEl>
+                                              <p:pRg st="5" end="5"/>
+                                            </p:txEl>
+                                          </p:spTgt>
+                                        </p:tgtEl>
+                                        <p:attrNameLst>
+                                          <p:attrName>style.visibility</p:attrName>
+                                        </p:attrNameLst>
+                                      </p:cBhvr>
+                                      <p:to>
+                                        <p:strVal val="visible"/>
+                                      </p:to>
+                                    </p:set>
+                                    <p:animEffect transition="in" filter="fade">
+                                      <p:cBhvr>
+                                        <p:cTn id="33" dur="500"/>
+                                        <p:tgtEl>
+                                          <p:spTgt spid="2">
+                                            <p:txEl>
+                                              <p:pRg st="5" end="5"/>
+                                            </p:txEl>
+                                          </p:spTgt>
+                                        </p:tgtEl>
+                                      </p:cBhvr>
+                                    </p:animEffect>
+                                  </p:childTnLst>
+                                </p:cTn>
+                              </p:par>
+                            </p:childTnLst>
+                          </p:cTn>
+                        </p:par>
+                      </p:childTnLst>
+                    </p:cTn>
+                  </p:par>
+                  <p:par>
+                    <p:cTn id="34" fill="hold">
+                      <p:stCondLst>
+                        <p:cond delay="indefinite"/>
+                      </p:stCondLst>
+                      <p:childTnLst>
+                        <p:par>
+                          <p:cTn id="35" fill="hold">
+                            <p:stCondLst>
+                              <p:cond delay="0"/>
+                            </p:stCondLst>
+                            <p:childTnLst>
+                              <p:par>
+                                <p:cTn id="36" presetID="10" presetClass="entr" presetSubtype="0" fill="hold" nodeType="clickEffect">
+                                  <p:stCondLst>
+                                    <p:cond delay="0"/>
+                                  </p:stCondLst>
+                                  <p:childTnLst>
+                                    <p:set>
+                                      <p:cBhvr>
+                                        <p:cTn id="37" dur="1" fill="hold">
+                                          <p:stCondLst>
+                                            <p:cond delay="0"/>
+                                          </p:stCondLst>
+                                        </p:cTn>
+                                        <p:tgtEl>
+                                          <p:spTgt spid="2">
+                                            <p:txEl>
+                                              <p:pRg st="6" end="6"/>
+                                            </p:txEl>
+                                          </p:spTgt>
+                                        </p:tgtEl>
+                                        <p:attrNameLst>
+                                          <p:attrName>style.visibility</p:attrName>
+                                        </p:attrNameLst>
+                                      </p:cBhvr>
+                                      <p:to>
+                                        <p:strVal val="visible"/>
+                                      </p:to>
+                                    </p:set>
+                                    <p:animEffect transition="in" filter="fade">
+                                      <p:cBhvr>
+                                        <p:cTn id="38" dur="500"/>
+                                        <p:tgtEl>
+                                          <p:spTgt spid="2">
+                                            <p:txEl>
+                                              <p:pRg st="6" end="6"/>
+                                            </p:txEl>
+                                          </p:spTgt>
+                                        </p:tgtEl>
+                                      </p:cBhvr>
+                                    </p:animEffect>
+                                  </p:childTnLst>
+                                </p:cTn>
+                              </p:par>
+                              <p:par>
+                                <p:cTn id="39" presetID="10" presetClass="entr" presetSubtype="0" fill="hold" nodeType="withEffect">
+                                  <p:stCondLst>
+                                    <p:cond delay="0"/>
+                                  </p:stCondLst>
+                                  <p:childTnLst>
+                                    <p:set>
+                                      <p:cBhvr>
+                                        <p:cTn id="40" dur="1" fill="hold">
+                                          <p:stCondLst>
+                                            <p:cond delay="0"/>
+                                          </p:stCondLst>
+                                        </p:cTn>
+                                        <p:tgtEl>
+                                          <p:spTgt spid="2">
+                                            <p:txEl>
+                                              <p:pRg st="7" end="7"/>
+                                            </p:txEl>
+                                          </p:spTgt>
+                                        </p:tgtEl>
+                                        <p:attrNameLst>
+                                          <p:attrName>style.visibility</p:attrName>
+                                        </p:attrNameLst>
+                                      </p:cBhvr>
+                                      <p:to>
+                                        <p:strVal val="visible"/>
+                                      </p:to>
+                                    </p:set>
+                                    <p:animEffect transition="in" filter="fade">
+                                      <p:cBhvr>
+                                        <p:cTn id="41" dur="500"/>
+                                        <p:tgtEl>
+                                          <p:spTgt spid="2">
+                                            <p:txEl>
+                                              <p:pRg st="7" end="7"/>
+                                            </p:txEl>
+                                          </p:spTgt>
+                                        </p:tgtEl>
+                                      </p:cBhvr>
+                                    </p:animEffect>
+                                  </p:childTnLst>
+                                </p:cTn>
+                              </p:par>
+                            </p:childTnLst>
+                          </p:cTn>
+                        </p:par>
+                      </p:childTnLst>
+                    </p:cTn>
+                  </p:par>
+                  <p:par>
+                    <p:cTn id="42" fill="hold">
+                      <p:stCondLst>
+                        <p:cond delay="indefinite"/>
+                      </p:stCondLst>
+                      <p:childTnLst>
+                        <p:par>
+                          <p:cTn id="43" fill="hold">
+                            <p:stCondLst>
+                              <p:cond delay="0"/>
+                            </p:stCondLst>
+                            <p:childTnLst>
+                              <p:par>
+                                <p:cTn id="44" presetID="10" presetClass="entr" presetSubtype="0" fill="hold" nodeType="clickEffect">
+                                  <p:stCondLst>
+                                    <p:cond delay="0"/>
+                                  </p:stCondLst>
+                                  <p:childTnLst>
+                                    <p:set>
+                                      <p:cBhvr>
+                                        <p:cTn id="45" dur="1" fill="hold">
+                                          <p:stCondLst>
+                                            <p:cond delay="0"/>
+                                          </p:stCondLst>
+                                        </p:cTn>
+                                        <p:tgtEl>
+                                          <p:spTgt spid="2">
+                                            <p:txEl>
+                                              <p:pRg st="8" end="8"/>
+                                            </p:txEl>
+                                          </p:spTgt>
+                                        </p:tgtEl>
+                                        <p:attrNameLst>
+                                          <p:attrName>style.visibility</p:attrName>
+                                        </p:attrNameLst>
+                                      </p:cBhvr>
+                                      <p:to>
+                                        <p:strVal val="visible"/>
+                                      </p:to>
+                                    </p:set>
+                                    <p:animEffect transition="in" filter="fade">
+                                      <p:cBhvr>
+                                        <p:cTn id="46" dur="500"/>
+                                        <p:tgtEl>
+                                          <p:spTgt spid="2">
+                                            <p:txEl>
+                                              <p:pRg st="8" end="8"/>
+                                            </p:txEl>
+                                          </p:spTgt>
+                                        </p:tgtEl>
+                                      </p:cBhvr>
+                                    </p:animEffect>
+                                  </p:childTnLst>
+                                </p:cTn>
+                              </p:par>
+                            </p:childTnLst>
+                          </p:cTn>
+                        </p:par>
+                      </p:childTnLst>
+                    </p:cTn>
+                  </p:par>
+                </p:childTnLst>
+              </p:cTn>
+              <p:prevCondLst>
+                <p:cond evt="onPrev" delay="0">
+                  <p:tgtEl>
+                    <p:sldTgt/>
+                  </p:tgtEl>
+                </p:cond>
+              </p:prevCondLst>
+              <p:nextCondLst>
+                <p:cond evt="onNext" delay="0">
+                  <p:tgtEl>
+                    <p:sldTgt/>
+                  </p:tgtEl>
+                </p:cond>
+              </p:nextCondLst>
+            </p:seq>
+          </p:childTnLst>
+        </p:cTn>
       </p:par>
     </p:tnLst>
   </p:timing>
